--- a/documentation/Flowchart.pptx
+++ b/documentation/Flowchart.pptx
@@ -104,6 +104,11 @@
       </a:defRPr>
     </a:lvl9pPr>
   </p:defaultTextStyle>
+  <p:extLst>
+    <p:ext uri="{EFAFB233-063F-42B5-8137-9DF3F51BA10A}">
+      <p15:sldGuideLst xmlns:p15="http://schemas.microsoft.com/office/powerpoint/2012/main"/>
+    </p:ext>
+  </p:extLst>
 </p:presentation>
 </file>
 
@@ -254,9 +259,9 @@
           <a:p>
             <a:fld id="{D3373F39-266C-934B-9505-87CE9E0D3E39}" type="datetimeFigureOut">
               <a:rPr lang="en-US" smtClean="0"/>
-              <a:t>3/1/19</a:t>
+              <a:t>3/1/2019</a:t>
             </a:fld>
-            <a:endParaRPr lang="en-US"/>
+            <a:endParaRPr lang="en-US" dirty="0"/>
           </a:p>
         </p:txBody>
       </p:sp>
@@ -281,7 +286,7 @@
           <a:bodyPr/>
           <a:lstStyle/>
           <a:p>
-            <a:endParaRPr lang="en-US"/>
+            <a:endParaRPr lang="en-US" dirty="0"/>
           </a:p>
         </p:txBody>
       </p:sp>
@@ -310,7 +315,7 @@
               <a:rPr lang="en-US" smtClean="0"/>
               <a:t>‹#›</a:t>
             </a:fld>
-            <a:endParaRPr lang="en-US"/>
+            <a:endParaRPr lang="en-US" dirty="0"/>
           </a:p>
         </p:txBody>
       </p:sp>
@@ -452,9 +457,9 @@
           <a:p>
             <a:fld id="{D3373F39-266C-934B-9505-87CE9E0D3E39}" type="datetimeFigureOut">
               <a:rPr lang="en-US" smtClean="0"/>
-              <a:t>3/1/19</a:t>
+              <a:t>3/1/2019</a:t>
             </a:fld>
-            <a:endParaRPr lang="en-US"/>
+            <a:endParaRPr lang="en-US" dirty="0"/>
           </a:p>
         </p:txBody>
       </p:sp>
@@ -479,7 +484,7 @@
           <a:bodyPr/>
           <a:lstStyle/>
           <a:p>
-            <a:endParaRPr lang="en-US"/>
+            <a:endParaRPr lang="en-US" dirty="0"/>
           </a:p>
         </p:txBody>
       </p:sp>
@@ -508,7 +513,7 @@
               <a:rPr lang="en-US" smtClean="0"/>
               <a:t>‹#›</a:t>
             </a:fld>
-            <a:endParaRPr lang="en-US"/>
+            <a:endParaRPr lang="en-US" dirty="0"/>
           </a:p>
         </p:txBody>
       </p:sp>
@@ -660,9 +665,9 @@
           <a:p>
             <a:fld id="{D3373F39-266C-934B-9505-87CE9E0D3E39}" type="datetimeFigureOut">
               <a:rPr lang="en-US" smtClean="0"/>
-              <a:t>3/1/19</a:t>
+              <a:t>3/1/2019</a:t>
             </a:fld>
-            <a:endParaRPr lang="en-US"/>
+            <a:endParaRPr lang="en-US" dirty="0"/>
           </a:p>
         </p:txBody>
       </p:sp>
@@ -687,7 +692,7 @@
           <a:bodyPr/>
           <a:lstStyle/>
           <a:p>
-            <a:endParaRPr lang="en-US"/>
+            <a:endParaRPr lang="en-US" dirty="0"/>
           </a:p>
         </p:txBody>
       </p:sp>
@@ -716,7 +721,7 @@
               <a:rPr lang="en-US" smtClean="0"/>
               <a:t>‹#›</a:t>
             </a:fld>
-            <a:endParaRPr lang="en-US"/>
+            <a:endParaRPr lang="en-US" dirty="0"/>
           </a:p>
         </p:txBody>
       </p:sp>
@@ -858,9 +863,9 @@
           <a:p>
             <a:fld id="{D3373F39-266C-934B-9505-87CE9E0D3E39}" type="datetimeFigureOut">
               <a:rPr lang="en-US" smtClean="0"/>
-              <a:t>3/1/19</a:t>
+              <a:t>3/1/2019</a:t>
             </a:fld>
-            <a:endParaRPr lang="en-US"/>
+            <a:endParaRPr lang="en-US" dirty="0"/>
           </a:p>
         </p:txBody>
       </p:sp>
@@ -885,7 +890,7 @@
           <a:bodyPr/>
           <a:lstStyle/>
           <a:p>
-            <a:endParaRPr lang="en-US"/>
+            <a:endParaRPr lang="en-US" dirty="0"/>
           </a:p>
         </p:txBody>
       </p:sp>
@@ -914,7 +919,7 @@
               <a:rPr lang="en-US" smtClean="0"/>
               <a:t>‹#›</a:t>
             </a:fld>
-            <a:endParaRPr lang="en-US"/>
+            <a:endParaRPr lang="en-US" dirty="0"/>
           </a:p>
         </p:txBody>
       </p:sp>
@@ -1133,9 +1138,9 @@
           <a:p>
             <a:fld id="{D3373F39-266C-934B-9505-87CE9E0D3E39}" type="datetimeFigureOut">
               <a:rPr lang="en-US" smtClean="0"/>
-              <a:t>3/1/19</a:t>
+              <a:t>3/1/2019</a:t>
             </a:fld>
-            <a:endParaRPr lang="en-US"/>
+            <a:endParaRPr lang="en-US" dirty="0"/>
           </a:p>
         </p:txBody>
       </p:sp>
@@ -1160,7 +1165,7 @@
           <a:bodyPr/>
           <a:lstStyle/>
           <a:p>
-            <a:endParaRPr lang="en-US"/>
+            <a:endParaRPr lang="en-US" dirty="0"/>
           </a:p>
         </p:txBody>
       </p:sp>
@@ -1189,7 +1194,7 @@
               <a:rPr lang="en-US" smtClean="0"/>
               <a:t>‹#›</a:t>
             </a:fld>
-            <a:endParaRPr lang="en-US"/>
+            <a:endParaRPr lang="en-US" dirty="0"/>
           </a:p>
         </p:txBody>
       </p:sp>
@@ -1398,9 +1403,9 @@
           <a:p>
             <a:fld id="{D3373F39-266C-934B-9505-87CE9E0D3E39}" type="datetimeFigureOut">
               <a:rPr lang="en-US" smtClean="0"/>
-              <a:t>3/1/19</a:t>
+              <a:t>3/1/2019</a:t>
             </a:fld>
-            <a:endParaRPr lang="en-US"/>
+            <a:endParaRPr lang="en-US" dirty="0"/>
           </a:p>
         </p:txBody>
       </p:sp>
@@ -1425,7 +1430,7 @@
           <a:bodyPr/>
           <a:lstStyle/>
           <a:p>
-            <a:endParaRPr lang="en-US"/>
+            <a:endParaRPr lang="en-US" dirty="0"/>
           </a:p>
         </p:txBody>
       </p:sp>
@@ -1454,7 +1459,7 @@
               <a:rPr lang="en-US" smtClean="0"/>
               <a:t>‹#›</a:t>
             </a:fld>
-            <a:endParaRPr lang="en-US"/>
+            <a:endParaRPr lang="en-US" dirty="0"/>
           </a:p>
         </p:txBody>
       </p:sp>
@@ -1810,9 +1815,9 @@
           <a:p>
             <a:fld id="{D3373F39-266C-934B-9505-87CE9E0D3E39}" type="datetimeFigureOut">
               <a:rPr lang="en-US" smtClean="0"/>
-              <a:t>3/1/19</a:t>
+              <a:t>3/1/2019</a:t>
             </a:fld>
-            <a:endParaRPr lang="en-US"/>
+            <a:endParaRPr lang="en-US" dirty="0"/>
           </a:p>
         </p:txBody>
       </p:sp>
@@ -1837,7 +1842,7 @@
           <a:bodyPr/>
           <a:lstStyle/>
           <a:p>
-            <a:endParaRPr lang="en-US"/>
+            <a:endParaRPr lang="en-US" dirty="0"/>
           </a:p>
         </p:txBody>
       </p:sp>
@@ -1866,7 +1871,7 @@
               <a:rPr lang="en-US" smtClean="0"/>
               <a:t>‹#›</a:t>
             </a:fld>
-            <a:endParaRPr lang="en-US"/>
+            <a:endParaRPr lang="en-US" dirty="0"/>
           </a:p>
         </p:txBody>
       </p:sp>
@@ -1951,9 +1956,9 @@
           <a:p>
             <a:fld id="{D3373F39-266C-934B-9505-87CE9E0D3E39}" type="datetimeFigureOut">
               <a:rPr lang="en-US" smtClean="0"/>
-              <a:t>3/1/19</a:t>
+              <a:t>3/1/2019</a:t>
             </a:fld>
-            <a:endParaRPr lang="en-US"/>
+            <a:endParaRPr lang="en-US" dirty="0"/>
           </a:p>
         </p:txBody>
       </p:sp>
@@ -1978,7 +1983,7 @@
           <a:bodyPr/>
           <a:lstStyle/>
           <a:p>
-            <a:endParaRPr lang="en-US"/>
+            <a:endParaRPr lang="en-US" dirty="0"/>
           </a:p>
         </p:txBody>
       </p:sp>
@@ -2007,7 +2012,7 @@
               <a:rPr lang="en-US" smtClean="0"/>
               <a:t>‹#›</a:t>
             </a:fld>
-            <a:endParaRPr lang="en-US"/>
+            <a:endParaRPr lang="en-US" dirty="0"/>
           </a:p>
         </p:txBody>
       </p:sp>
@@ -2064,9 +2069,9 @@
           <a:p>
             <a:fld id="{D3373F39-266C-934B-9505-87CE9E0D3E39}" type="datetimeFigureOut">
               <a:rPr lang="en-US" smtClean="0"/>
-              <a:t>3/1/19</a:t>
+              <a:t>3/1/2019</a:t>
             </a:fld>
-            <a:endParaRPr lang="en-US"/>
+            <a:endParaRPr lang="en-US" dirty="0"/>
           </a:p>
         </p:txBody>
       </p:sp>
@@ -2091,7 +2096,7 @@
           <a:bodyPr/>
           <a:lstStyle/>
           <a:p>
-            <a:endParaRPr lang="en-US"/>
+            <a:endParaRPr lang="en-US" dirty="0"/>
           </a:p>
         </p:txBody>
       </p:sp>
@@ -2120,7 +2125,7 @@
               <a:rPr lang="en-US" smtClean="0"/>
               <a:t>‹#›</a:t>
             </a:fld>
-            <a:endParaRPr lang="en-US"/>
+            <a:endParaRPr lang="en-US" dirty="0"/>
           </a:p>
         </p:txBody>
       </p:sp>
@@ -2375,9 +2380,9 @@
           <a:p>
             <a:fld id="{D3373F39-266C-934B-9505-87CE9E0D3E39}" type="datetimeFigureOut">
               <a:rPr lang="en-US" smtClean="0"/>
-              <a:t>3/1/19</a:t>
+              <a:t>3/1/2019</a:t>
             </a:fld>
-            <a:endParaRPr lang="en-US"/>
+            <a:endParaRPr lang="en-US" dirty="0"/>
           </a:p>
         </p:txBody>
       </p:sp>
@@ -2402,7 +2407,7 @@
           <a:bodyPr/>
           <a:lstStyle/>
           <a:p>
-            <a:endParaRPr lang="en-US"/>
+            <a:endParaRPr lang="en-US" dirty="0"/>
           </a:p>
         </p:txBody>
       </p:sp>
@@ -2431,7 +2436,7 @@
               <a:rPr lang="en-US" smtClean="0"/>
               <a:t>‹#›</a:t>
             </a:fld>
-            <a:endParaRPr lang="en-US"/>
+            <a:endParaRPr lang="en-US" dirty="0"/>
           </a:p>
         </p:txBody>
       </p:sp>
@@ -2565,7 +2570,7 @@
             </a:lvl9pPr>
           </a:lstStyle>
           <a:p>
-            <a:endParaRPr lang="en-US"/>
+            <a:endParaRPr lang="en-US" dirty="0"/>
           </a:p>
         </p:txBody>
       </p:sp>
@@ -2663,9 +2668,9 @@
           <a:p>
             <a:fld id="{D3373F39-266C-934B-9505-87CE9E0D3E39}" type="datetimeFigureOut">
               <a:rPr lang="en-US" smtClean="0"/>
-              <a:t>3/1/19</a:t>
+              <a:t>3/1/2019</a:t>
             </a:fld>
-            <a:endParaRPr lang="en-US"/>
+            <a:endParaRPr lang="en-US" dirty="0"/>
           </a:p>
         </p:txBody>
       </p:sp>
@@ -2690,7 +2695,7 @@
           <a:bodyPr/>
           <a:lstStyle/>
           <a:p>
-            <a:endParaRPr lang="en-US"/>
+            <a:endParaRPr lang="en-US" dirty="0"/>
           </a:p>
         </p:txBody>
       </p:sp>
@@ -2719,7 +2724,7 @@
               <a:rPr lang="en-US" smtClean="0"/>
               <a:t>‹#›</a:t>
             </a:fld>
-            <a:endParaRPr lang="en-US"/>
+            <a:endParaRPr lang="en-US" dirty="0"/>
           </a:p>
         </p:txBody>
       </p:sp>
@@ -2904,9 +2909,9 @@
           <a:p>
             <a:fld id="{D3373F39-266C-934B-9505-87CE9E0D3E39}" type="datetimeFigureOut">
               <a:rPr lang="en-US" smtClean="0"/>
-              <a:t>3/1/19</a:t>
+              <a:t>3/1/2019</a:t>
             </a:fld>
-            <a:endParaRPr lang="en-US"/>
+            <a:endParaRPr lang="en-US" dirty="0"/>
           </a:p>
         </p:txBody>
       </p:sp>
@@ -2949,7 +2954,7 @@
             </a:lvl1pPr>
           </a:lstStyle>
           <a:p>
-            <a:endParaRPr lang="en-US"/>
+            <a:endParaRPr lang="en-US" dirty="0"/>
           </a:p>
         </p:txBody>
       </p:sp>
@@ -2996,7 +3001,7 @@
               <a:rPr lang="en-US" smtClean="0"/>
               <a:t>‹#›</a:t>
             </a:fld>
-            <a:endParaRPr lang="en-US"/>
+            <a:endParaRPr lang="en-US" dirty="0"/>
           </a:p>
         </p:txBody>
       </p:sp>
@@ -3335,14 +3340,14 @@
         </p:nvSpPr>
         <p:spPr>
           <a:xfrm>
-            <a:off x="0" y="6576646"/>
-            <a:ext cx="11736371" cy="6438507"/>
+            <a:off x="1606521" y="138140"/>
+            <a:ext cx="8480454" cy="5776886"/>
           </a:xfrm>
           <a:prstGeom prst="rect">
             <a:avLst/>
           </a:prstGeom>
           <a:noFill/>
-          <a:ln>
+          <a:ln w="38100">
             <a:solidFill>
               <a:schemeClr val="tx1"/>
             </a:solidFill>
@@ -3369,7 +3374,13 @@
           <a:lstStyle/>
           <a:p>
             <a:pPr algn="ctr"/>
-            <a:endParaRPr lang="en-US"/>
+            <a:endParaRPr lang="en-US" dirty="0">
+              <a:ln w="28575">
+                <a:solidFill>
+                  <a:schemeClr val="tx1"/>
+                </a:solidFill>
+              </a:ln>
+            </a:endParaRPr>
           </a:p>
         </p:txBody>
       </p:sp>
@@ -3396,7 +3407,7 @@
           <a:noFill/>
           <a:ln w="19050">
             <a:solidFill>
-              <a:srgbClr val="C00000"/>
+              <a:srgbClr val="DC3220"/>
             </a:solidFill>
           </a:ln>
         </p:spPr>
@@ -3424,7 +3435,7 @@
             <a:r>
               <a:rPr lang="en-US" sz="3200" b="1" dirty="0">
                 <a:solidFill>
-                  <a:srgbClr val="C00000"/>
+                  <a:srgbClr val="DC3220"/>
                 </a:solidFill>
               </a:rPr>
               <a:t>User</a:t>
@@ -3479,7 +3490,7 @@
             <a:r>
               <a:rPr lang="en-US" sz="2400" b="1" dirty="0">
                 <a:solidFill>
-                  <a:srgbClr val="0070C0"/>
+                  <a:srgbClr val="005AB5"/>
                 </a:solidFill>
               </a:rPr>
               <a:t>multilayer (class) </a:t>
@@ -3489,10 +3500,10 @@
       </p:sp>
       <p:sp>
         <p:nvSpPr>
-          <p:cNvPr id="9" name="Arc 8">
-            <a:extLst>
-              <a:ext uri="{FF2B5EF4-FFF2-40B4-BE49-F238E27FC236}">
-                <a16:creationId xmlns:a16="http://schemas.microsoft.com/office/drawing/2014/main" id="{E3496EC7-F6F7-1742-ACEB-458BDB4D018A}"/>
+          <p:cNvPr id="10" name="Arc 9">
+            <a:extLst>
+              <a:ext uri="{FF2B5EF4-FFF2-40B4-BE49-F238E27FC236}">
+                <a16:creationId xmlns:a16="http://schemas.microsoft.com/office/drawing/2014/main" id="{E2988CBC-885E-CE41-B6B2-3329F9C99CE2}"/>
               </a:ext>
             </a:extLst>
           </p:cNvPr>
@@ -3500,63 +3511,9 @@
           <p:nvPr/>
         </p:nvSpPr>
         <p:spPr>
-          <a:xfrm>
-            <a:off x="5698644" y="788588"/>
-            <a:ext cx="1212110" cy="1246206"/>
-          </a:xfrm>
-          <a:prstGeom prst="arc">
-            <a:avLst>
-              <a:gd name="adj1" fmla="val 16290239"/>
-              <a:gd name="adj2" fmla="val 4620653"/>
-            </a:avLst>
-          </a:prstGeom>
-          <a:ln w="28575">
-            <a:solidFill>
-              <a:schemeClr val="tx1"/>
-            </a:solidFill>
-            <a:headEnd type="triangle" w="med" len="med"/>
-            <a:tailEnd type="none" w="med" len="med"/>
-          </a:ln>
-        </p:spPr>
-        <p:style>
-          <a:lnRef idx="1">
-            <a:schemeClr val="accent1"/>
-          </a:lnRef>
-          <a:fillRef idx="0">
-            <a:schemeClr val="accent1"/>
-          </a:fillRef>
-          <a:effectRef idx="0">
-            <a:schemeClr val="accent1"/>
-          </a:effectRef>
-          <a:fontRef idx="minor">
-            <a:schemeClr val="tx1"/>
-          </a:fontRef>
-        </p:style>
-        <p:txBody>
-          <a:bodyPr rtlCol="0" anchor="ctr"/>
-          <a:lstStyle/>
-          <a:p>
-            <a:pPr algn="ctr"/>
-            <a:endParaRPr lang="en-US" dirty="0"/>
-          </a:p>
-        </p:txBody>
-      </p:sp>
-      <p:sp>
-        <p:nvSpPr>
-          <p:cNvPr id="10" name="Arc 9">
-            <a:extLst>
-              <a:ext uri="{FF2B5EF4-FFF2-40B4-BE49-F238E27FC236}">
-                <a16:creationId xmlns:a16="http://schemas.microsoft.com/office/drawing/2014/main" id="{E2988CBC-885E-CE41-B6B2-3329F9C99CE2}"/>
-              </a:ext>
-            </a:extLst>
-          </p:cNvPr>
-          <p:cNvSpPr/>
-          <p:nvPr/>
-        </p:nvSpPr>
-        <p:spPr>
           <a:xfrm rot="10101000">
-            <a:off x="3111654" y="765031"/>
-            <a:ext cx="1237750" cy="1258508"/>
+            <a:off x="3112214" y="770514"/>
+            <a:ext cx="1183440" cy="1258508"/>
           </a:xfrm>
           <a:prstGeom prst="arc">
             <a:avLst>
@@ -3609,8 +3566,8 @@
         </p:nvSpPr>
         <p:spPr>
           <a:xfrm>
-            <a:off x="1762414" y="903859"/>
-            <a:ext cx="1466386" cy="1015663"/>
+            <a:off x="1606521" y="903859"/>
+            <a:ext cx="1622279" cy="1323439"/>
           </a:xfrm>
           <a:prstGeom prst="rect">
             <a:avLst/>
@@ -3625,8 +3582,35 @@
           <a:p>
             <a:r>
               <a:rPr lang="en-US" sz="2000" b="1" dirty="0"/>
-              <a:t>Materials geometries uses</a:t>
-            </a:r>
+              <a:t>Materials </a:t>
+            </a:r>
+            <a:r>
+              <a:rPr lang="en-US" sz="2000" b="1" dirty="0"/>
+              <a:t>G</a:t>
+            </a:r>
+            <a:r>
+              <a:rPr lang="en-US" sz="2000" b="1" dirty="0" smtClean="0"/>
+              <a:t>eometries</a:t>
+            </a:r>
+          </a:p>
+          <a:p>
+            <a:r>
+              <a:rPr lang="en-US" sz="2000" b="1" dirty="0" smtClean="0"/>
+              <a:t>Temperature</a:t>
+            </a:r>
+            <a:r>
+              <a:rPr lang="en-US" sz="2000" b="1" dirty="0" smtClean="0"/>
+              <a:t> </a:t>
+            </a:r>
+            <a:r>
+              <a:rPr lang="en-US" sz="2000" b="1" dirty="0"/>
+              <a:t>U</a:t>
+            </a:r>
+            <a:r>
+              <a:rPr lang="en-US" sz="2000" b="1" dirty="0" smtClean="0"/>
+              <a:t>ses</a:t>
+            </a:r>
+            <a:endParaRPr lang="en-US" sz="2000" b="1" dirty="0"/>
           </a:p>
         </p:txBody>
       </p:sp>
@@ -3644,8 +3628,8 @@
         </p:nvSpPr>
         <p:spPr>
           <a:xfrm>
-            <a:off x="6984806" y="903859"/>
-            <a:ext cx="1772331" cy="1015663"/>
+            <a:off x="6903417" y="1221049"/>
+            <a:ext cx="2566001" cy="707886"/>
           </a:xfrm>
           <a:prstGeom prst="rect">
             <a:avLst/>
@@ -3659,8 +3643,20 @@
           <a:lstStyle/>
           <a:p>
             <a:r>
-              <a:rPr lang="en-US" sz="2000" b="1" dirty="0"/>
-              <a:t>Spectra, figures of merit, images</a:t>
+              <a:rPr lang="en-US" sz="2000" b="1" dirty="0" smtClean="0">
+                <a:solidFill>
+                  <a:srgbClr val="DC3220"/>
+                </a:solidFill>
+              </a:rPr>
+              <a:t>Figures of merit, spectra, and </a:t>
+            </a:r>
+            <a:r>
+              <a:rPr lang="en-US" sz="2000" b="1" dirty="0">
+                <a:solidFill>
+                  <a:srgbClr val="DC3220"/>
+                </a:solidFill>
+              </a:rPr>
+              <a:t>images</a:t>
             </a:r>
           </a:p>
         </p:txBody>
@@ -3710,18 +3706,13 @@
           <a:p>
             <a:pPr algn="ctr"/>
             <a:r>
-              <a:rPr lang="en-US" sz="2400" b="1" dirty="0" err="1">
+              <a:rPr lang="en-US" sz="2400" b="1" dirty="0">
                 <a:solidFill>
-                  <a:srgbClr val="0070C0"/>
+                  <a:srgbClr val="005AB5"/>
                 </a:solidFill>
               </a:rPr>
               <a:t>tmm</a:t>
             </a:r>
-            <a:endParaRPr lang="en-US" sz="2400" b="1" dirty="0">
-              <a:solidFill>
-                <a:srgbClr val="0070C0"/>
-              </a:solidFill>
-            </a:endParaRPr>
           </a:p>
         </p:txBody>
       </p:sp>
@@ -3739,7 +3730,7 @@
         </p:nvSpPr>
         <p:spPr>
           <a:xfrm>
-            <a:off x="7924953" y="2210028"/>
+            <a:off x="7924953" y="2695803"/>
             <a:ext cx="1535570" cy="550026"/>
           </a:xfrm>
           <a:prstGeom prst="rect">
@@ -3770,18 +3761,13 @@
           <a:p>
             <a:pPr algn="ctr"/>
             <a:r>
-              <a:rPr lang="en-US" sz="2400" b="1" dirty="0" err="1">
+              <a:rPr lang="en-US" sz="2400" b="1" dirty="0">
                 <a:solidFill>
-                  <a:srgbClr val="0070C0"/>
+                  <a:srgbClr val="005AB5"/>
                 </a:solidFill>
               </a:rPr>
               <a:t>stpvlib</a:t>
             </a:r>
-            <a:endParaRPr lang="en-US" sz="2400" b="1" dirty="0">
-              <a:solidFill>
-                <a:srgbClr val="0070C0"/>
-              </a:solidFill>
-            </a:endParaRPr>
           </a:p>
         </p:txBody>
       </p:sp>
@@ -3799,7 +3785,7 @@
         </p:nvSpPr>
         <p:spPr>
           <a:xfrm>
-            <a:off x="7924953" y="3033238"/>
+            <a:off x="7924953" y="3519013"/>
             <a:ext cx="1535570" cy="550026"/>
           </a:xfrm>
           <a:prstGeom prst="rect">
@@ -3830,18 +3816,13 @@
           <a:p>
             <a:pPr algn="ctr"/>
             <a:r>
-              <a:rPr lang="en-US" sz="2400" b="1" dirty="0" err="1">
+              <a:rPr lang="en-US" sz="2400" b="1" dirty="0">
                 <a:solidFill>
-                  <a:srgbClr val="0070C0"/>
+                  <a:srgbClr val="005AB5"/>
                 </a:solidFill>
               </a:rPr>
               <a:t>lightlib</a:t>
             </a:r>
-            <a:endParaRPr lang="en-US" sz="2400" b="1" dirty="0">
-              <a:solidFill>
-                <a:srgbClr val="0070C0"/>
-              </a:solidFill>
-            </a:endParaRPr>
           </a:p>
         </p:txBody>
       </p:sp>
@@ -3859,7 +3840,7 @@
         </p:nvSpPr>
         <p:spPr>
           <a:xfrm>
-            <a:off x="7924953" y="3832003"/>
+            <a:off x="7924953" y="4317778"/>
             <a:ext cx="1535570" cy="550026"/>
           </a:xfrm>
           <a:prstGeom prst="rect">
@@ -3890,16 +3871,16 @@
           <a:p>
             <a:pPr algn="ctr"/>
             <a:r>
-              <a:rPr lang="en-US" sz="2400" b="1" dirty="0" err="1">
+              <a:rPr lang="en-US" sz="2400" b="1" dirty="0" smtClean="0">
                 <a:solidFill>
-                  <a:srgbClr val="0070C0"/>
+                  <a:srgbClr val="005AB5"/>
                 </a:solidFill>
               </a:rPr>
               <a:t>coolinglib</a:t>
             </a:r>
             <a:endParaRPr lang="en-US" sz="2400" b="1" dirty="0">
               <a:solidFill>
-                <a:srgbClr val="0070C0"/>
+                <a:srgbClr val="005AB5"/>
               </a:solidFill>
             </a:endParaRPr>
           </a:p>
@@ -3919,7 +3900,7 @@
         </p:nvSpPr>
         <p:spPr>
           <a:xfrm>
-            <a:off x="7924953" y="4705590"/>
+            <a:off x="7924953" y="5191365"/>
             <a:ext cx="1535570" cy="550026"/>
           </a:xfrm>
           <a:prstGeom prst="rect">
@@ -3950,16 +3931,16 @@
           <a:p>
             <a:pPr algn="ctr"/>
             <a:r>
-              <a:rPr lang="en-US" sz="2400" b="1" dirty="0" err="1">
+              <a:rPr lang="en-US" sz="2400" b="1" dirty="0" smtClean="0">
                 <a:solidFill>
-                  <a:srgbClr val="0070C0"/>
+                  <a:srgbClr val="005AB5"/>
                 </a:solidFill>
               </a:rPr>
-              <a:t>tmm</a:t>
+              <a:t>colorlib</a:t>
             </a:r>
             <a:endParaRPr lang="en-US" sz="2400" b="1" dirty="0">
               <a:solidFill>
-                <a:srgbClr val="0070C0"/>
+                <a:srgbClr val="005AB5"/>
               </a:solidFill>
             </a:endParaRPr>
           </a:p>
@@ -4010,18 +3991,13 @@
           <a:p>
             <a:pPr algn="ctr"/>
             <a:r>
-              <a:rPr lang="en-US" sz="2400" b="1" dirty="0" err="1">
+              <a:rPr lang="en-US" sz="2400" b="1" dirty="0">
                 <a:solidFill>
-                  <a:srgbClr val="0070C0"/>
+                  <a:srgbClr val="005AB5"/>
                 </a:solidFill>
               </a:rPr>
               <a:t>datalib</a:t>
             </a:r>
-            <a:endParaRPr lang="en-US" sz="2400" b="1" dirty="0">
-              <a:solidFill>
-                <a:srgbClr val="0070C0"/>
-              </a:solidFill>
-            </a:endParaRPr>
           </a:p>
         </p:txBody>
       </p:sp>
@@ -4083,7 +4059,7 @@
         </p:nvSpPr>
         <p:spPr>
           <a:xfrm rot="5400000">
-            <a:off x="6074785" y="3416784"/>
+            <a:off x="6074785" y="3388209"/>
             <a:ext cx="1090235" cy="369332"/>
           </a:xfrm>
           <a:prstGeom prst="rect">
@@ -4120,8 +4096,113 @@
         </p:nvCxnSpPr>
         <p:spPr>
           <a:xfrm flipV="1">
-            <a:off x="6096000" y="3003577"/>
+            <a:off x="6096000" y="2994052"/>
             <a:ext cx="0" cy="1160351"/>
+          </a:xfrm>
+          <a:prstGeom prst="straightConnector1">
+            <a:avLst/>
+          </a:prstGeom>
+          <a:ln w="28575">
+            <a:solidFill>
+              <a:srgbClr val="DC3220"/>
+            </a:solidFill>
+            <a:tailEnd type="triangle"/>
+          </a:ln>
+        </p:spPr>
+        <p:style>
+          <a:lnRef idx="1">
+            <a:schemeClr val="accent1"/>
+          </a:lnRef>
+          <a:fillRef idx="0">
+            <a:schemeClr val="accent1"/>
+          </a:fillRef>
+          <a:effectRef idx="0">
+            <a:schemeClr val="accent1"/>
+          </a:effectRef>
+          <a:fontRef idx="minor">
+            <a:schemeClr val="tx1"/>
+          </a:fontRef>
+        </p:style>
+      </p:cxnSp>
+      <p:sp>
+        <p:nvSpPr>
+          <p:cNvPr id="26" name="Rectangle 25">
+            <a:extLst>
+              <a:ext uri="{FF2B5EF4-FFF2-40B4-BE49-F238E27FC236}">
+                <a16:creationId xmlns:a16="http://schemas.microsoft.com/office/drawing/2014/main" id="{326B8D79-1941-BB40-A49F-20DA8DA35DA2}"/>
+              </a:ext>
+            </a:extLst>
+          </p:cNvPr>
+          <p:cNvSpPr/>
+          <p:nvPr/>
+        </p:nvSpPr>
+        <p:spPr>
+          <a:xfrm rot="16200000">
+            <a:off x="4909735" y="3022335"/>
+            <a:ext cx="1732650" cy="646331"/>
+          </a:xfrm>
+          <a:prstGeom prst="rect">
+            <a:avLst/>
+          </a:prstGeom>
+        </p:spPr>
+        <p:txBody>
+          <a:bodyPr wrap="square">
+            <a:spAutoFit/>
+          </a:bodyPr>
+          <a:lstStyle/>
+          <a:p>
+            <a:r>
+              <a:rPr lang="en-US" b="1" dirty="0">
+                <a:solidFill>
+                  <a:srgbClr val="DC3220"/>
+                </a:solidFill>
+              </a:rPr>
+              <a:t>Refractive </a:t>
+            </a:r>
+          </a:p>
+          <a:p>
+            <a:r>
+              <a:rPr lang="en-US" b="1" dirty="0">
+                <a:solidFill>
+                  <a:srgbClr val="DC3220"/>
+                </a:solidFill>
+              </a:rPr>
+              <a:t>Indices (</a:t>
+            </a:r>
+            <a:r>
+              <a:rPr lang="en-US" b="1" dirty="0" smtClean="0">
+                <a:solidFill>
+                  <a:srgbClr val="DC3220"/>
+                </a:solidFill>
+              </a:rPr>
+              <a:t>RIs)</a:t>
+            </a:r>
+            <a:endParaRPr lang="en-US" dirty="0">
+              <a:solidFill>
+                <a:srgbClr val="DC3220"/>
+              </a:solidFill>
+            </a:endParaRPr>
+          </a:p>
+        </p:txBody>
+      </p:sp>
+      <p:cxnSp>
+        <p:nvCxnSpPr>
+          <p:cNvPr id="27" name="Straight Arrow Connector 26">
+            <a:extLst>
+              <a:ext uri="{FF2B5EF4-FFF2-40B4-BE49-F238E27FC236}">
+                <a16:creationId xmlns:a16="http://schemas.microsoft.com/office/drawing/2014/main" id="{AB1C77BF-754D-9447-9AA6-4510F2972745}"/>
+              </a:ext>
+            </a:extLst>
+          </p:cNvPr>
+          <p:cNvCxnSpPr>
+            <a:cxnSpLocks/>
+          </p:cNvCxnSpPr>
+          <p:nvPr/>
+        </p:nvCxnSpPr>
+        <p:spPr>
+          <a:xfrm>
+            <a:off x="4463722" y="2952873"/>
+            <a:ext cx="0" cy="1237393"/>
           </a:xfrm>
           <a:prstGeom prst="straightConnector1">
             <a:avLst/>
@@ -4148,53 +4229,12 @@
           </a:fontRef>
         </p:style>
       </p:cxnSp>
-      <p:sp>
-        <p:nvSpPr>
-          <p:cNvPr id="26" name="Rectangle 25">
-            <a:extLst>
-              <a:ext uri="{FF2B5EF4-FFF2-40B4-BE49-F238E27FC236}">
-                <a16:creationId xmlns:a16="http://schemas.microsoft.com/office/drawing/2014/main" id="{326B8D79-1941-BB40-A49F-20DA8DA35DA2}"/>
-              </a:ext>
-            </a:extLst>
-          </p:cNvPr>
-          <p:cNvSpPr/>
-          <p:nvPr/>
-        </p:nvSpPr>
-        <p:spPr>
-          <a:xfrm rot="16200000">
-            <a:off x="4909735" y="3022335"/>
-            <a:ext cx="1732650" cy="646331"/>
-          </a:xfrm>
-          <a:prstGeom prst="rect">
-            <a:avLst/>
-          </a:prstGeom>
-        </p:spPr>
-        <p:txBody>
-          <a:bodyPr wrap="square">
-            <a:spAutoFit/>
-          </a:bodyPr>
-          <a:lstStyle/>
-          <a:p>
-            <a:r>
-              <a:rPr lang="en-US" b="1" dirty="0"/>
-              <a:t>Refractive </a:t>
-            </a:r>
-          </a:p>
-          <a:p>
-            <a:r>
-              <a:rPr lang="en-US" b="1" dirty="0"/>
-              <a:t>Indices (RI)</a:t>
-            </a:r>
-            <a:endParaRPr lang="en-US" dirty="0"/>
-          </a:p>
-        </p:txBody>
-      </p:sp>
       <p:cxnSp>
         <p:nvCxnSpPr>
-          <p:cNvPr id="27" name="Straight Arrow Connector 26">
-            <a:extLst>
-              <a:ext uri="{FF2B5EF4-FFF2-40B4-BE49-F238E27FC236}">
-                <a16:creationId xmlns:a16="http://schemas.microsoft.com/office/drawing/2014/main" id="{AB1C77BF-754D-9447-9AA6-4510F2972745}"/>
+          <p:cNvPr id="28" name="Straight Arrow Connector 27">
+            <a:extLst>
+              <a:ext uri="{FF2B5EF4-FFF2-40B4-BE49-F238E27FC236}">
+                <a16:creationId xmlns:a16="http://schemas.microsoft.com/office/drawing/2014/main" id="{8CFA88B9-07BE-7042-800C-A67CDAE909E2}"/>
               </a:ext>
             </a:extLst>
           </p:cNvPr>
@@ -4204,9 +4244,162 @@
           <p:nvPr/>
         </p:nvCxnSpPr>
         <p:spPr>
+          <a:xfrm flipV="1">
+            <a:off x="3833445" y="2973808"/>
+            <a:ext cx="0" cy="1160351"/>
+          </a:xfrm>
+          <a:prstGeom prst="straightConnector1">
+            <a:avLst/>
+          </a:prstGeom>
+          <a:ln w="28575">
+            <a:solidFill>
+              <a:srgbClr val="DC3220"/>
+            </a:solidFill>
+            <a:tailEnd type="triangle"/>
+          </a:ln>
+        </p:spPr>
+        <p:style>
+          <a:lnRef idx="1">
+            <a:schemeClr val="accent1"/>
+          </a:lnRef>
+          <a:fillRef idx="0">
+            <a:schemeClr val="accent1"/>
+          </a:fillRef>
+          <a:effectRef idx="0">
+            <a:schemeClr val="accent1"/>
+          </a:effectRef>
+          <a:fontRef idx="minor">
+            <a:schemeClr val="tx1"/>
+          </a:fontRef>
+        </p:style>
+      </p:cxnSp>
+      <p:sp>
+        <p:nvSpPr>
+          <p:cNvPr id="29" name="Rectangle 28">
+            <a:extLst>
+              <a:ext uri="{FF2B5EF4-FFF2-40B4-BE49-F238E27FC236}">
+                <a16:creationId xmlns:a16="http://schemas.microsoft.com/office/drawing/2014/main" id="{32DBAE18-AB2E-C840-A4E4-C19C661CD3FB}"/>
+              </a:ext>
+            </a:extLst>
+          </p:cNvPr>
+          <p:cNvSpPr/>
+          <p:nvPr/>
+        </p:nvSpPr>
+        <p:spPr>
+          <a:xfrm rot="5400000">
+            <a:off x="4046147" y="3248404"/>
+            <a:ext cx="1356462" cy="646331"/>
+          </a:xfrm>
+          <a:prstGeom prst="rect">
+            <a:avLst/>
+          </a:prstGeom>
+        </p:spPr>
+        <p:txBody>
+          <a:bodyPr wrap="none">
+            <a:spAutoFit/>
+          </a:bodyPr>
+          <a:lstStyle/>
+          <a:p>
+            <a:r>
+              <a:rPr lang="en-US" b="1" dirty="0"/>
+              <a:t>G</a:t>
+            </a:r>
+            <a:r>
+              <a:rPr lang="en-US" b="1" dirty="0" smtClean="0"/>
+              <a:t>eometries</a:t>
+            </a:r>
+            <a:r>
+              <a:rPr lang="en-US" b="1" dirty="0"/>
+              <a:t>,</a:t>
+            </a:r>
+          </a:p>
+          <a:p>
+            <a:r>
+              <a:rPr lang="en-US" b="1" dirty="0"/>
+              <a:t>RIs</a:t>
+            </a:r>
+            <a:endParaRPr lang="en-US" dirty="0"/>
+          </a:p>
+        </p:txBody>
+      </p:sp>
+      <p:sp>
+        <p:nvSpPr>
+          <p:cNvPr id="30" name="Rectangle 29">
+            <a:extLst>
+              <a:ext uri="{FF2B5EF4-FFF2-40B4-BE49-F238E27FC236}">
+                <a16:creationId xmlns:a16="http://schemas.microsoft.com/office/drawing/2014/main" id="{6875D031-9EAA-0B4F-8298-D6729C8FFC16}"/>
+              </a:ext>
+            </a:extLst>
+          </p:cNvPr>
+          <p:cNvSpPr/>
+          <p:nvPr/>
+        </p:nvSpPr>
+        <p:spPr>
+          <a:xfrm rot="16200000">
+            <a:off x="2830514" y="3102128"/>
+            <a:ext cx="1174104" cy="923330"/>
+          </a:xfrm>
+          <a:prstGeom prst="rect">
+            <a:avLst/>
+          </a:prstGeom>
+        </p:spPr>
+        <p:txBody>
+          <a:bodyPr wrap="none">
+            <a:spAutoFit/>
+          </a:bodyPr>
+          <a:lstStyle/>
+          <a:p>
+            <a:endParaRPr lang="en-US" b="1" dirty="0">
+              <a:solidFill>
+                <a:srgbClr val="DC3220"/>
+              </a:solidFill>
+            </a:endParaRPr>
+          </a:p>
+          <a:p>
+            <a:r>
+              <a:rPr lang="en-US" b="1" dirty="0">
+                <a:solidFill>
+                  <a:srgbClr val="DC3220"/>
+                </a:solidFill>
+              </a:rPr>
+              <a:t>Optical </a:t>
+            </a:r>
+          </a:p>
+          <a:p>
+            <a:r>
+              <a:rPr lang="en-US" b="1" dirty="0">
+                <a:solidFill>
+                  <a:srgbClr val="DC3220"/>
+                </a:solidFill>
+              </a:rPr>
+              <a:t>Properties</a:t>
+            </a:r>
+            <a:endParaRPr lang="en-US" dirty="0">
+              <a:solidFill>
+                <a:srgbClr val="DC3220"/>
+              </a:solidFill>
+            </a:endParaRPr>
+          </a:p>
+        </p:txBody>
+      </p:sp>
+      <p:cxnSp>
+        <p:nvCxnSpPr>
+          <p:cNvPr id="24" name="Straight Arrow Connector 23">
+            <a:extLst>
+              <a:ext uri="{FF2B5EF4-FFF2-40B4-BE49-F238E27FC236}">
+                <a16:creationId xmlns:a16="http://schemas.microsoft.com/office/drawing/2014/main" id="{7B3E0E5E-16C5-E34A-8C88-FA274498DFC1}"/>
+              </a:ext>
+            </a:extLst>
+          </p:cNvPr>
+          <p:cNvCxnSpPr>
+            <a:cxnSpLocks/>
+          </p:cNvCxnSpPr>
+          <p:nvPr/>
+        </p:nvCxnSpPr>
+        <p:spPr>
           <a:xfrm>
-            <a:off x="4463722" y="2952873"/>
-            <a:ext cx="0" cy="1237393"/>
+            <a:off x="6427179" y="2728866"/>
+            <a:ext cx="1497774" cy="0"/>
           </a:xfrm>
           <a:prstGeom prst="straightConnector1">
             <a:avLst/>
@@ -4235,24 +4428,18 @@
       </p:cxnSp>
       <p:cxnSp>
         <p:nvCxnSpPr>
-          <p:cNvPr id="28" name="Straight Arrow Connector 27">
-            <a:extLst>
-              <a:ext uri="{FF2B5EF4-FFF2-40B4-BE49-F238E27FC236}">
-                <a16:creationId xmlns:a16="http://schemas.microsoft.com/office/drawing/2014/main" id="{8CFA88B9-07BE-7042-800C-A67CDAE909E2}"/>
-              </a:ext>
-            </a:extLst>
-          </p:cNvPr>
+          <p:cNvPr id="19" name="Elbow Connector 18"/>
           <p:cNvCxnSpPr>
-            <a:cxnSpLocks/>
+            <a:endCxn id="15" idx="1"/>
           </p:cNvCxnSpPr>
           <p:nvPr/>
         </p:nvCxnSpPr>
         <p:spPr>
-          <a:xfrm flipV="1">
-            <a:off x="3833445" y="2973808"/>
-            <a:ext cx="0" cy="1160351"/>
-          </a:xfrm>
-          <a:prstGeom prst="straightConnector1">
+          <a:xfrm>
+            <a:off x="6435236" y="2728866"/>
+            <a:ext cx="1489717" cy="1065160"/>
+          </a:xfrm>
+          <a:prstGeom prst="bentConnector3">
             <a:avLst/>
           </a:prstGeom>
           <a:ln w="28575">
@@ -4277,12 +4464,88 @@
           </a:fontRef>
         </p:style>
       </p:cxnSp>
-      <p:sp>
-        <p:nvSpPr>
-          <p:cNvPr id="29" name="Rectangle 28">
-            <a:extLst>
-              <a:ext uri="{FF2B5EF4-FFF2-40B4-BE49-F238E27FC236}">
-                <a16:creationId xmlns:a16="http://schemas.microsoft.com/office/drawing/2014/main" id="{32DBAE18-AB2E-C840-A4E4-C19C661CD3FB}"/>
+      <p:cxnSp>
+        <p:nvCxnSpPr>
+          <p:cNvPr id="34" name="Elbow Connector 33"/>
+          <p:cNvCxnSpPr/>
+          <p:nvPr/>
+        </p:nvCxnSpPr>
+        <p:spPr>
+          <a:xfrm rot="16200000" flipH="1">
+            <a:off x="6799162" y="3429331"/>
+            <a:ext cx="1521745" cy="748887"/>
+          </a:xfrm>
+          <a:prstGeom prst="bentConnector3">
+            <a:avLst>
+              <a:gd name="adj1" fmla="val 100074"/>
+            </a:avLst>
+          </a:prstGeom>
+          <a:ln w="28575">
+            <a:solidFill>
+              <a:schemeClr val="tx1"/>
+            </a:solidFill>
+            <a:tailEnd type="triangle"/>
+          </a:ln>
+        </p:spPr>
+        <p:style>
+          <a:lnRef idx="1">
+            <a:schemeClr val="accent1"/>
+          </a:lnRef>
+          <a:fillRef idx="0">
+            <a:schemeClr val="accent1"/>
+          </a:fillRef>
+          <a:effectRef idx="0">
+            <a:schemeClr val="accent1"/>
+          </a:effectRef>
+          <a:fontRef idx="minor">
+            <a:schemeClr val="tx1"/>
+          </a:fontRef>
+        </p:style>
+      </p:cxnSp>
+      <p:cxnSp>
+        <p:nvCxnSpPr>
+          <p:cNvPr id="36" name="Elbow Connector 35"/>
+          <p:cNvCxnSpPr/>
+          <p:nvPr/>
+        </p:nvCxnSpPr>
+        <p:spPr>
+          <a:xfrm rot="16200000" flipH="1">
+            <a:off x="6799162" y="4302432"/>
+            <a:ext cx="1521745" cy="748887"/>
+          </a:xfrm>
+          <a:prstGeom prst="bentConnector3">
+            <a:avLst>
+              <a:gd name="adj1" fmla="val 100074"/>
+            </a:avLst>
+          </a:prstGeom>
+          <a:ln w="28575">
+            <a:solidFill>
+              <a:schemeClr val="tx1"/>
+            </a:solidFill>
+            <a:tailEnd type="triangle"/>
+          </a:ln>
+        </p:spPr>
+        <p:style>
+          <a:lnRef idx="1">
+            <a:schemeClr val="accent1"/>
+          </a:lnRef>
+          <a:fillRef idx="0">
+            <a:schemeClr val="accent1"/>
+          </a:fillRef>
+          <a:effectRef idx="0">
+            <a:schemeClr val="accent1"/>
+          </a:effectRef>
+          <a:fontRef idx="minor">
+            <a:schemeClr val="tx1"/>
+          </a:fontRef>
+        </p:style>
+      </p:cxnSp>
+      <p:sp>
+        <p:nvSpPr>
+          <p:cNvPr id="37" name="Rectangle 36">
+            <a:extLst>
+              <a:ext uri="{FF2B5EF4-FFF2-40B4-BE49-F238E27FC236}">
+                <a16:creationId xmlns:a16="http://schemas.microsoft.com/office/drawing/2014/main" id="{6875D031-9EAA-0B4F-8298-D6729C8FFC16}"/>
               </a:ext>
             </a:extLst>
           </p:cNvPr>
@@ -4290,9 +4553,9 @@
           <p:nvPr/>
         </p:nvSpPr>
         <p:spPr>
-          <a:xfrm rot="5400000">
-            <a:off x="4066634" y="3248404"/>
-            <a:ext cx="1315488" cy="646331"/>
+          <a:xfrm>
+            <a:off x="6375807" y="2102061"/>
+            <a:ext cx="2284600" cy="646331"/>
           </a:xfrm>
           <a:prstGeom prst="rect">
             <a:avLst/>
@@ -4305,14 +4568,18 @@
           <a:lstStyle/>
           <a:p>
             <a:r>
-              <a:rPr lang="en-US" b="1" dirty="0"/>
-              <a:t>geometries,</a:t>
-            </a:r>
-          </a:p>
-          <a:p>
-            <a:r>
-              <a:rPr lang="en-US" b="1" dirty="0"/>
-              <a:t>RIs</a:t>
+              <a:rPr lang="en-US" b="1" dirty="0" smtClean="0"/>
+              <a:t>Optical Properties </a:t>
+            </a:r>
+          </a:p>
+          <a:p>
+            <a:r>
+              <a:rPr lang="en-US" b="1" dirty="0" smtClean="0"/>
+              <a:t>and </a:t>
+            </a:r>
+            <a:r>
+              <a:rPr lang="en-US" b="1" dirty="0" smtClean="0"/>
+              <a:t>Thermal Emission</a:t>
             </a:r>
             <a:endParaRPr lang="en-US" dirty="0"/>
           </a:p>
@@ -4320,70 +4587,206 @@
       </p:sp>
       <p:sp>
         <p:nvSpPr>
-          <p:cNvPr id="30" name="Rectangle 29">
-            <a:extLst>
-              <a:ext uri="{FF2B5EF4-FFF2-40B4-BE49-F238E27FC236}">
-                <a16:creationId xmlns:a16="http://schemas.microsoft.com/office/drawing/2014/main" id="{6875D031-9EAA-0B4F-8298-D6729C8FFC16}"/>
-              </a:ext>
-            </a:extLst>
-          </p:cNvPr>
+          <p:cNvPr id="41" name="Right Brace 40"/>
           <p:cNvSpPr/>
           <p:nvPr/>
         </p:nvSpPr>
         <p:spPr>
-          <a:xfrm rot="16200000">
-            <a:off x="2830514" y="3102128"/>
-            <a:ext cx="1174104" cy="923330"/>
-          </a:xfrm>
-          <a:prstGeom prst="rect">
-            <a:avLst/>
+          <a:xfrm>
+            <a:off x="9460523" y="3023851"/>
+            <a:ext cx="397852" cy="2423477"/>
+          </a:xfrm>
+          <a:prstGeom prst="rightBrace">
+            <a:avLst>
+              <a:gd name="adj1" fmla="val 0"/>
+              <a:gd name="adj2" fmla="val 50000"/>
+            </a:avLst>
           </a:prstGeom>
-        </p:spPr>
-        <p:txBody>
-          <a:bodyPr wrap="none">
-            <a:spAutoFit/>
-          </a:bodyPr>
-          <a:lstStyle/>
-          <a:p>
-            <a:endParaRPr lang="en-US" b="1" dirty="0"/>
-          </a:p>
-          <a:p>
-            <a:r>
-              <a:rPr lang="en-US" b="1" dirty="0"/>
-              <a:t>Optical </a:t>
-            </a:r>
-          </a:p>
-          <a:p>
-            <a:r>
-              <a:rPr lang="en-US" b="1" dirty="0"/>
-              <a:t>Properties</a:t>
-            </a:r>
+          <a:ln w="28575">
+            <a:solidFill>
+              <a:srgbClr val="DC3220"/>
+            </a:solidFill>
+          </a:ln>
+        </p:spPr>
+        <p:style>
+          <a:lnRef idx="1">
+            <a:schemeClr val="accent1"/>
+          </a:lnRef>
+          <a:fillRef idx="0">
+            <a:schemeClr val="accent1"/>
+          </a:fillRef>
+          <a:effectRef idx="0">
+            <a:schemeClr val="accent1"/>
+          </a:effectRef>
+          <a:fontRef idx="minor">
+            <a:schemeClr val="tx1"/>
+          </a:fontRef>
+        </p:style>
+        <p:txBody>
+          <a:bodyPr rtlCol="0" anchor="ctr"/>
+          <a:lstStyle/>
+          <a:p>
+            <a:pPr algn="ctr"/>
             <a:endParaRPr lang="en-US" dirty="0"/>
           </a:p>
         </p:txBody>
       </p:sp>
       <p:cxnSp>
         <p:nvCxnSpPr>
-          <p:cNvPr id="32" name="Straight Arrow Connector 31">
-            <a:extLst>
-              <a:ext uri="{FF2B5EF4-FFF2-40B4-BE49-F238E27FC236}">
-                <a16:creationId xmlns:a16="http://schemas.microsoft.com/office/drawing/2014/main" id="{86E0389B-EC0C-BB47-8BEE-02EF51A52862}"/>
-              </a:ext>
-            </a:extLst>
-          </p:cNvPr>
+          <p:cNvPr id="47" name="Straight Connector 46"/>
           <p:cNvCxnSpPr/>
           <p:nvPr/>
         </p:nvCxnSpPr>
         <p:spPr>
+          <a:xfrm flipH="1" flipV="1">
+            <a:off x="9929813" y="2024254"/>
+            <a:ext cx="42863" cy="2211335"/>
+          </a:xfrm>
+          <a:prstGeom prst="line">
+            <a:avLst/>
+          </a:prstGeom>
+          <a:ln w="38100">
+            <a:solidFill>
+              <a:srgbClr val="DC3220"/>
+            </a:solidFill>
+          </a:ln>
+        </p:spPr>
+        <p:style>
+          <a:lnRef idx="1">
+            <a:schemeClr val="accent1"/>
+          </a:lnRef>
+          <a:fillRef idx="0">
+            <a:schemeClr val="accent1"/>
+          </a:fillRef>
+          <a:effectRef idx="0">
+            <a:schemeClr val="accent1"/>
+          </a:effectRef>
+          <a:fontRef idx="minor">
+            <a:schemeClr val="tx1"/>
+          </a:fontRef>
+        </p:style>
+      </p:cxnSp>
+      <p:cxnSp>
+        <p:nvCxnSpPr>
+          <p:cNvPr id="48" name="Straight Connector 47"/>
+          <p:cNvCxnSpPr/>
+          <p:nvPr/>
+        </p:nvCxnSpPr>
+        <p:spPr>
+          <a:xfrm flipH="1">
+            <a:off x="6428736" y="2024254"/>
+            <a:ext cx="3515364" cy="0"/>
+          </a:xfrm>
+          <a:prstGeom prst="line">
+            <a:avLst/>
+          </a:prstGeom>
+          <a:ln w="38100">
+            <a:solidFill>
+              <a:srgbClr val="DC3220"/>
+            </a:solidFill>
+            <a:headEnd type="none" w="med" len="med"/>
+            <a:tailEnd type="triangle" w="med" len="med"/>
+          </a:ln>
+        </p:spPr>
+        <p:style>
+          <a:lnRef idx="1">
+            <a:schemeClr val="accent1"/>
+          </a:lnRef>
+          <a:fillRef idx="0">
+            <a:schemeClr val="accent1"/>
+          </a:fillRef>
+          <a:effectRef idx="0">
+            <a:schemeClr val="accent1"/>
+          </a:effectRef>
+          <a:fontRef idx="minor">
+            <a:schemeClr val="tx1"/>
+          </a:fontRef>
+        </p:style>
+      </p:cxnSp>
+      <p:sp>
+        <p:nvSpPr>
+          <p:cNvPr id="53" name="Arc 52">
+            <a:extLst>
+              <a:ext uri="{FF2B5EF4-FFF2-40B4-BE49-F238E27FC236}">
+                <a16:creationId xmlns:a16="http://schemas.microsoft.com/office/drawing/2014/main" id="{E2988CBC-885E-CE41-B6B2-3329F9C99CE2}"/>
+              </a:ext>
+            </a:extLst>
+          </p:cNvPr>
+          <p:cNvSpPr/>
+          <p:nvPr/>
+        </p:nvSpPr>
+        <p:spPr>
+          <a:xfrm rot="21120485">
+            <a:off x="5769870" y="751915"/>
+            <a:ext cx="1183440" cy="1258508"/>
+          </a:xfrm>
+          <a:prstGeom prst="arc">
+            <a:avLst>
+              <a:gd name="adj1" fmla="val 16290239"/>
+              <a:gd name="adj2" fmla="val 5438184"/>
+            </a:avLst>
+          </a:prstGeom>
+          <a:noFill/>
+          <a:ln w="38100">
+            <a:solidFill>
+              <a:srgbClr val="DC3220"/>
+            </a:solidFill>
+            <a:headEnd type="triangle" w="med" len="med"/>
+            <a:tailEnd type="none" w="med" len="med"/>
+          </a:ln>
+        </p:spPr>
+        <p:style>
+          <a:lnRef idx="1">
+            <a:schemeClr val="accent1"/>
+          </a:lnRef>
+          <a:fillRef idx="0">
+            <a:schemeClr val="accent1"/>
+          </a:fillRef>
+          <a:effectRef idx="0">
+            <a:schemeClr val="accent1"/>
+          </a:effectRef>
+          <a:fontRef idx="minor">
+            <a:schemeClr val="tx1"/>
+          </a:fontRef>
+        </p:style>
+        <p:txBody>
+          <a:bodyPr rtlCol="0" anchor="ctr"/>
+          <a:lstStyle/>
+          <a:p>
+            <a:pPr algn="ctr"/>
+            <a:endParaRPr lang="en-US" dirty="0"/>
+          </a:p>
+        </p:txBody>
+      </p:sp>
+      <p:cxnSp>
+        <p:nvCxnSpPr>
+          <p:cNvPr id="54" name="Straight Arrow Connector 53">
+            <a:extLst>
+              <a:ext uri="{FF2B5EF4-FFF2-40B4-BE49-F238E27FC236}">
+                <a16:creationId xmlns:a16="http://schemas.microsoft.com/office/drawing/2014/main" id="{7B3E0E5E-16C5-E34A-8C88-FA274498DFC1}"/>
+              </a:ext>
+            </a:extLst>
+          </p:cNvPr>
+          <p:cNvCxnSpPr>
+            <a:cxnSpLocks/>
+            <a:stCxn id="18" idx="3"/>
+          </p:cNvCxnSpPr>
+          <p:nvPr/>
+        </p:nvCxnSpPr>
+        <p:spPr>
           <a:xfrm>
-            <a:off x="6435236" y="2353914"/>
-            <a:ext cx="1489717" cy="0"/>
+            <a:off x="6893198" y="4465280"/>
+            <a:ext cx="292393" cy="0"/>
           </a:xfrm>
           <a:prstGeom prst="straightConnector1">
             <a:avLst/>
           </a:prstGeom>
-          <a:ln>
-            <a:tailEnd type="triangle"/>
+          <a:ln w="28575">
+            <a:solidFill>
+              <a:schemeClr val="tx1"/>
+            </a:solidFill>
+            <a:headEnd type="triangle" w="med" len="med"/>
+            <a:tailEnd type="triangle" w="med" len="med"/>
           </a:ln>
         </p:spPr>
         <p:style>

--- a/documentation/Flowchart.pptx
+++ b/documentation/Flowchart.pptx
@@ -4,8 +4,14 @@
   <p:sldMasterIdLst>
     <p:sldMasterId id="2147483648" r:id="rId1"/>
   </p:sldMasterIdLst>
+  <p:notesMasterIdLst>
+    <p:notesMasterId r:id="rId6"/>
+  </p:notesMasterIdLst>
   <p:sldIdLst>
     <p:sldId id="256" r:id="rId2"/>
+    <p:sldId id="257" r:id="rId3"/>
+    <p:sldId id="258" r:id="rId4"/>
+    <p:sldId id="259" r:id="rId5"/>
   </p:sldIdLst>
   <p:sldSz cx="12192000" cy="6858000"/>
   <p:notesSz cx="6858000" cy="9144000"/>
@@ -112,6 +118,356 @@
 </p:presentation>
 </file>
 
+<file path=ppt/notesMasters/notesMaster1.xml><?xml version="1.0" encoding="utf-8"?>
+<p:notesMaster xmlns:a="http://schemas.openxmlformats.org/drawingml/2006/main" xmlns:r="http://schemas.openxmlformats.org/officeDocument/2006/relationships" xmlns:p="http://schemas.openxmlformats.org/presentationml/2006/main">
+  <p:cSld>
+    <p:bg>
+      <p:bgRef idx="1001">
+        <a:schemeClr val="bg1"/>
+      </p:bgRef>
+    </p:bg>
+    <p:spTree>
+      <p:nvGrpSpPr>
+        <p:cNvPr id="1" name=""/>
+        <p:cNvGrpSpPr/>
+        <p:nvPr/>
+      </p:nvGrpSpPr>
+      <p:grpSpPr>
+        <a:xfrm>
+          <a:off x="0" y="0"/>
+          <a:ext cx="0" cy="0"/>
+          <a:chOff x="0" y="0"/>
+          <a:chExt cx="0" cy="0"/>
+        </a:xfrm>
+      </p:grpSpPr>
+      <p:sp>
+        <p:nvSpPr>
+          <p:cNvPr id="2" name="Header Placeholder 1"/>
+          <p:cNvSpPr>
+            <a:spLocks noGrp="1"/>
+          </p:cNvSpPr>
+          <p:nvPr>
+            <p:ph type="hdr" sz="quarter"/>
+          </p:nvPr>
+        </p:nvSpPr>
+        <p:spPr>
+          <a:xfrm>
+            <a:off x="0" y="0"/>
+            <a:ext cx="2971800" cy="458788"/>
+          </a:xfrm>
+          <a:prstGeom prst="rect">
+            <a:avLst/>
+          </a:prstGeom>
+        </p:spPr>
+        <p:txBody>
+          <a:bodyPr vert="horz" lIns="91440" tIns="45720" rIns="91440" bIns="45720" rtlCol="0"/>
+          <a:lstStyle>
+            <a:lvl1pPr algn="l">
+              <a:defRPr sz="1200"/>
+            </a:lvl1pPr>
+          </a:lstStyle>
+          <a:p>
+            <a:endParaRPr lang="en-US"/>
+          </a:p>
+        </p:txBody>
+      </p:sp>
+      <p:sp>
+        <p:nvSpPr>
+          <p:cNvPr id="3" name="Date Placeholder 2"/>
+          <p:cNvSpPr>
+            <a:spLocks noGrp="1"/>
+          </p:cNvSpPr>
+          <p:nvPr>
+            <p:ph type="dt" idx="1"/>
+          </p:nvPr>
+        </p:nvSpPr>
+        <p:spPr>
+          <a:xfrm>
+            <a:off x="3884613" y="0"/>
+            <a:ext cx="2971800" cy="458788"/>
+          </a:xfrm>
+          <a:prstGeom prst="rect">
+            <a:avLst/>
+          </a:prstGeom>
+        </p:spPr>
+        <p:txBody>
+          <a:bodyPr vert="horz" lIns="91440" tIns="45720" rIns="91440" bIns="45720" rtlCol="0"/>
+          <a:lstStyle>
+            <a:lvl1pPr algn="r">
+              <a:defRPr sz="1200"/>
+            </a:lvl1pPr>
+          </a:lstStyle>
+          <a:p>
+            <a:fld id="{D92572D1-5FFF-8542-95FC-C561F2BAEE30}" type="datetimeFigureOut">
+              <a:rPr lang="en-US" smtClean="0"/>
+              <a:t>3/12/19</a:t>
+            </a:fld>
+            <a:endParaRPr lang="en-US"/>
+          </a:p>
+        </p:txBody>
+      </p:sp>
+      <p:sp>
+        <p:nvSpPr>
+          <p:cNvPr id="4" name="Slide Image Placeholder 3"/>
+          <p:cNvSpPr>
+            <a:spLocks noGrp="1" noRot="1" noChangeAspect="1"/>
+          </p:cNvSpPr>
+          <p:nvPr>
+            <p:ph type="sldImg" idx="2"/>
+          </p:nvPr>
+        </p:nvSpPr>
+        <p:spPr>
+          <a:xfrm>
+            <a:off x="685800" y="1143000"/>
+            <a:ext cx="5486400" cy="3086100"/>
+          </a:xfrm>
+          <a:prstGeom prst="rect">
+            <a:avLst/>
+          </a:prstGeom>
+          <a:noFill/>
+          <a:ln w="12700">
+            <a:solidFill>
+              <a:prstClr val="black"/>
+            </a:solidFill>
+          </a:ln>
+        </p:spPr>
+        <p:txBody>
+          <a:bodyPr vert="horz" lIns="91440" tIns="45720" rIns="91440" bIns="45720" rtlCol="0" anchor="ctr"/>
+          <a:lstStyle/>
+          <a:p>
+            <a:endParaRPr lang="en-US"/>
+          </a:p>
+        </p:txBody>
+      </p:sp>
+      <p:sp>
+        <p:nvSpPr>
+          <p:cNvPr id="5" name="Notes Placeholder 4"/>
+          <p:cNvSpPr>
+            <a:spLocks noGrp="1"/>
+          </p:cNvSpPr>
+          <p:nvPr>
+            <p:ph type="body" sz="quarter" idx="3"/>
+          </p:nvPr>
+        </p:nvSpPr>
+        <p:spPr>
+          <a:xfrm>
+            <a:off x="685800" y="4400550"/>
+            <a:ext cx="5486400" cy="3600450"/>
+          </a:xfrm>
+          <a:prstGeom prst="rect">
+            <a:avLst/>
+          </a:prstGeom>
+        </p:spPr>
+        <p:txBody>
+          <a:bodyPr vert="horz" lIns="91440" tIns="45720" rIns="91440" bIns="45720" rtlCol="0"/>
+          <a:lstStyle/>
+          <a:p>
+            <a:pPr lvl="0"/>
+            <a:r>
+              <a:rPr lang="en-US" smtClean="0"/>
+              <a:t>Click to edit Master text styles</a:t>
+            </a:r>
+          </a:p>
+          <a:p>
+            <a:pPr lvl="1"/>
+            <a:r>
+              <a:rPr lang="en-US" smtClean="0"/>
+              <a:t>Second level</a:t>
+            </a:r>
+          </a:p>
+          <a:p>
+            <a:pPr lvl="2"/>
+            <a:r>
+              <a:rPr lang="en-US" smtClean="0"/>
+              <a:t>Third level</a:t>
+            </a:r>
+          </a:p>
+          <a:p>
+            <a:pPr lvl="3"/>
+            <a:r>
+              <a:rPr lang="en-US" smtClean="0"/>
+              <a:t>Fourth level</a:t>
+            </a:r>
+          </a:p>
+          <a:p>
+            <a:pPr lvl="4"/>
+            <a:r>
+              <a:rPr lang="en-US" smtClean="0"/>
+              <a:t>Fifth level</a:t>
+            </a:r>
+            <a:endParaRPr lang="en-US"/>
+          </a:p>
+        </p:txBody>
+      </p:sp>
+      <p:sp>
+        <p:nvSpPr>
+          <p:cNvPr id="6" name="Footer Placeholder 5"/>
+          <p:cNvSpPr>
+            <a:spLocks noGrp="1"/>
+          </p:cNvSpPr>
+          <p:nvPr>
+            <p:ph type="ftr" sz="quarter" idx="4"/>
+          </p:nvPr>
+        </p:nvSpPr>
+        <p:spPr>
+          <a:xfrm>
+            <a:off x="0" y="8685213"/>
+            <a:ext cx="2971800" cy="458787"/>
+          </a:xfrm>
+          <a:prstGeom prst="rect">
+            <a:avLst/>
+          </a:prstGeom>
+        </p:spPr>
+        <p:txBody>
+          <a:bodyPr vert="horz" lIns="91440" tIns="45720" rIns="91440" bIns="45720" rtlCol="0" anchor="b"/>
+          <a:lstStyle>
+            <a:lvl1pPr algn="l">
+              <a:defRPr sz="1200"/>
+            </a:lvl1pPr>
+          </a:lstStyle>
+          <a:p>
+            <a:endParaRPr lang="en-US"/>
+          </a:p>
+        </p:txBody>
+      </p:sp>
+      <p:sp>
+        <p:nvSpPr>
+          <p:cNvPr id="7" name="Slide Number Placeholder 6"/>
+          <p:cNvSpPr>
+            <a:spLocks noGrp="1"/>
+          </p:cNvSpPr>
+          <p:nvPr>
+            <p:ph type="sldNum" sz="quarter" idx="5"/>
+          </p:nvPr>
+        </p:nvSpPr>
+        <p:spPr>
+          <a:xfrm>
+            <a:off x="3884613" y="8685213"/>
+            <a:ext cx="2971800" cy="458787"/>
+          </a:xfrm>
+          <a:prstGeom prst="rect">
+            <a:avLst/>
+          </a:prstGeom>
+        </p:spPr>
+        <p:txBody>
+          <a:bodyPr vert="horz" lIns="91440" tIns="45720" rIns="91440" bIns="45720" rtlCol="0" anchor="b"/>
+          <a:lstStyle>
+            <a:lvl1pPr algn="r">
+              <a:defRPr sz="1200"/>
+            </a:lvl1pPr>
+          </a:lstStyle>
+          <a:p>
+            <a:fld id="{5C81A45E-DC64-4E4B-9BEC-AB912D219098}" type="slidenum">
+              <a:rPr lang="en-US" smtClean="0"/>
+              <a:t>‹#›</a:t>
+            </a:fld>
+            <a:endParaRPr lang="en-US"/>
+          </a:p>
+        </p:txBody>
+      </p:sp>
+    </p:spTree>
+    <p:extLst>
+      <p:ext uri="{BB962C8B-B14F-4D97-AF65-F5344CB8AC3E}">
+        <p14:creationId xmlns:p14="http://schemas.microsoft.com/office/powerpoint/2010/main" val="497238956"/>
+      </p:ext>
+    </p:extLst>
+  </p:cSld>
+  <p:clrMap bg1="lt1" tx1="dk1" bg2="lt2" tx2="dk2" accent1="accent1" accent2="accent2" accent3="accent3" accent4="accent4" accent5="accent5" accent6="accent6" hlink="hlink" folHlink="folHlink"/>
+  <p:notesStyle>
+    <a:lvl1pPr marL="0" algn="l" defTabSz="914400" rtl="0" eaLnBrk="1" latinLnBrk="0" hangingPunct="1">
+      <a:defRPr sz="1200" kern="1200">
+        <a:solidFill>
+          <a:schemeClr val="tx1"/>
+        </a:solidFill>
+        <a:latin typeface="+mn-lt"/>
+        <a:ea typeface="+mn-ea"/>
+        <a:cs typeface="+mn-cs"/>
+      </a:defRPr>
+    </a:lvl1pPr>
+    <a:lvl2pPr marL="457200" algn="l" defTabSz="914400" rtl="0" eaLnBrk="1" latinLnBrk="0" hangingPunct="1">
+      <a:defRPr sz="1200" kern="1200">
+        <a:solidFill>
+          <a:schemeClr val="tx1"/>
+        </a:solidFill>
+        <a:latin typeface="+mn-lt"/>
+        <a:ea typeface="+mn-ea"/>
+        <a:cs typeface="+mn-cs"/>
+      </a:defRPr>
+    </a:lvl2pPr>
+    <a:lvl3pPr marL="914400" algn="l" defTabSz="914400" rtl="0" eaLnBrk="1" latinLnBrk="0" hangingPunct="1">
+      <a:defRPr sz="1200" kern="1200">
+        <a:solidFill>
+          <a:schemeClr val="tx1"/>
+        </a:solidFill>
+        <a:latin typeface="+mn-lt"/>
+        <a:ea typeface="+mn-ea"/>
+        <a:cs typeface="+mn-cs"/>
+      </a:defRPr>
+    </a:lvl3pPr>
+    <a:lvl4pPr marL="1371600" algn="l" defTabSz="914400" rtl="0" eaLnBrk="1" latinLnBrk="0" hangingPunct="1">
+      <a:defRPr sz="1200" kern="1200">
+        <a:solidFill>
+          <a:schemeClr val="tx1"/>
+        </a:solidFill>
+        <a:latin typeface="+mn-lt"/>
+        <a:ea typeface="+mn-ea"/>
+        <a:cs typeface="+mn-cs"/>
+      </a:defRPr>
+    </a:lvl4pPr>
+    <a:lvl5pPr marL="1828800" algn="l" defTabSz="914400" rtl="0" eaLnBrk="1" latinLnBrk="0" hangingPunct="1">
+      <a:defRPr sz="1200" kern="1200">
+        <a:solidFill>
+          <a:schemeClr val="tx1"/>
+        </a:solidFill>
+        <a:latin typeface="+mn-lt"/>
+        <a:ea typeface="+mn-ea"/>
+        <a:cs typeface="+mn-cs"/>
+      </a:defRPr>
+    </a:lvl5pPr>
+    <a:lvl6pPr marL="2286000" algn="l" defTabSz="914400" rtl="0" eaLnBrk="1" latinLnBrk="0" hangingPunct="1">
+      <a:defRPr sz="1200" kern="1200">
+        <a:solidFill>
+          <a:schemeClr val="tx1"/>
+        </a:solidFill>
+        <a:latin typeface="+mn-lt"/>
+        <a:ea typeface="+mn-ea"/>
+        <a:cs typeface="+mn-cs"/>
+      </a:defRPr>
+    </a:lvl6pPr>
+    <a:lvl7pPr marL="2743200" algn="l" defTabSz="914400" rtl="0" eaLnBrk="1" latinLnBrk="0" hangingPunct="1">
+      <a:defRPr sz="1200" kern="1200">
+        <a:solidFill>
+          <a:schemeClr val="tx1"/>
+        </a:solidFill>
+        <a:latin typeface="+mn-lt"/>
+        <a:ea typeface="+mn-ea"/>
+        <a:cs typeface="+mn-cs"/>
+      </a:defRPr>
+    </a:lvl7pPr>
+    <a:lvl8pPr marL="3200400" algn="l" defTabSz="914400" rtl="0" eaLnBrk="1" latinLnBrk="0" hangingPunct="1">
+      <a:defRPr sz="1200" kern="1200">
+        <a:solidFill>
+          <a:schemeClr val="tx1"/>
+        </a:solidFill>
+        <a:latin typeface="+mn-lt"/>
+        <a:ea typeface="+mn-ea"/>
+        <a:cs typeface="+mn-cs"/>
+      </a:defRPr>
+    </a:lvl8pPr>
+    <a:lvl9pPr marL="3657600" algn="l" defTabSz="914400" rtl="0" eaLnBrk="1" latinLnBrk="0" hangingPunct="1">
+      <a:defRPr sz="1200" kern="1200">
+        <a:solidFill>
+          <a:schemeClr val="tx1"/>
+        </a:solidFill>
+        <a:latin typeface="+mn-lt"/>
+        <a:ea typeface="+mn-ea"/>
+        <a:cs typeface="+mn-cs"/>
+      </a:defRPr>
+    </a:lvl9pPr>
+  </p:notesStyle>
+</p:notesMaster>
+</file>
+
 <file path=ppt/slideLayouts/slideLayout1.xml><?xml version="1.0" encoding="utf-8"?>
 <p:sldLayout xmlns:a="http://schemas.openxmlformats.org/drawingml/2006/main" xmlns:r="http://schemas.openxmlformats.org/officeDocument/2006/relationships" xmlns:p="http://schemas.openxmlformats.org/presentationml/2006/main" type="title" preserve="1">
   <p:cSld name="Title Slide">
@@ -134,7 +490,7 @@
           <p:cNvPr id="2" name="Title 1">
             <a:extLst>
               <a:ext uri="{FF2B5EF4-FFF2-40B4-BE49-F238E27FC236}">
-                <a16:creationId xmlns:a16="http://schemas.microsoft.com/office/drawing/2014/main" id="{66DC8CB7-5A4A-0D44-95EE-4793ACD021AD}"/>
+                <a16:creationId xmlns:a16="http://schemas.microsoft.com/office/drawing/2014/main" xmlns="" id="{66DC8CB7-5A4A-0D44-95EE-4793ACD021AD}"/>
               </a:ext>
             </a:extLst>
           </p:cNvPr>
@@ -171,7 +527,7 @@
           <p:cNvPr id="3" name="Subtitle 2">
             <a:extLst>
               <a:ext uri="{FF2B5EF4-FFF2-40B4-BE49-F238E27FC236}">
-                <a16:creationId xmlns:a16="http://schemas.microsoft.com/office/drawing/2014/main" id="{D5E00AAD-A5E3-0E47-9D02-024E98633287}"/>
+                <a16:creationId xmlns:a16="http://schemas.microsoft.com/office/drawing/2014/main" xmlns="" id="{D5E00AAD-A5E3-0E47-9D02-024E98633287}"/>
               </a:ext>
             </a:extLst>
           </p:cNvPr>
@@ -241,7 +597,7 @@
           <p:cNvPr id="4" name="Date Placeholder 3">
             <a:extLst>
               <a:ext uri="{FF2B5EF4-FFF2-40B4-BE49-F238E27FC236}">
-                <a16:creationId xmlns:a16="http://schemas.microsoft.com/office/drawing/2014/main" id="{2D4245CD-661B-DC4D-955B-DC86086C3FF7}"/>
+                <a16:creationId xmlns:a16="http://schemas.microsoft.com/office/drawing/2014/main" xmlns="" id="{2D4245CD-661B-DC4D-955B-DC86086C3FF7}"/>
               </a:ext>
             </a:extLst>
           </p:cNvPr>
@@ -259,7 +615,7 @@
           <a:p>
             <a:fld id="{D3373F39-266C-934B-9505-87CE9E0D3E39}" type="datetimeFigureOut">
               <a:rPr lang="en-US" smtClean="0"/>
-              <a:t>3/1/2019</a:t>
+              <a:t>3/12/19</a:t>
             </a:fld>
             <a:endParaRPr lang="en-US" dirty="0"/>
           </a:p>
@@ -270,7 +626,7 @@
           <p:cNvPr id="5" name="Footer Placeholder 4">
             <a:extLst>
               <a:ext uri="{FF2B5EF4-FFF2-40B4-BE49-F238E27FC236}">
-                <a16:creationId xmlns:a16="http://schemas.microsoft.com/office/drawing/2014/main" id="{E2E1B0E3-17F3-0E46-9BA1-40AA6986EDBA}"/>
+                <a16:creationId xmlns:a16="http://schemas.microsoft.com/office/drawing/2014/main" xmlns="" id="{E2E1B0E3-17F3-0E46-9BA1-40AA6986EDBA}"/>
               </a:ext>
             </a:extLst>
           </p:cNvPr>
@@ -295,7 +651,7 @@
           <p:cNvPr id="6" name="Slide Number Placeholder 5">
             <a:extLst>
               <a:ext uri="{FF2B5EF4-FFF2-40B4-BE49-F238E27FC236}">
-                <a16:creationId xmlns:a16="http://schemas.microsoft.com/office/drawing/2014/main" id="{73E6C48A-CA40-7F4B-9AC5-D6B5D12EEC4F}"/>
+                <a16:creationId xmlns:a16="http://schemas.microsoft.com/office/drawing/2014/main" xmlns="" id="{73E6C48A-CA40-7F4B-9AC5-D6B5D12EEC4F}"/>
               </a:ext>
             </a:extLst>
           </p:cNvPr>
@@ -354,7 +710,7 @@
           <p:cNvPr id="2" name="Title 1">
             <a:extLst>
               <a:ext uri="{FF2B5EF4-FFF2-40B4-BE49-F238E27FC236}">
-                <a16:creationId xmlns:a16="http://schemas.microsoft.com/office/drawing/2014/main" id="{EF4574F8-5F9E-5948-9292-FB9FDB5A75CF}"/>
+                <a16:creationId xmlns:a16="http://schemas.microsoft.com/office/drawing/2014/main" xmlns="" id="{EF4574F8-5F9E-5948-9292-FB9FDB5A75CF}"/>
               </a:ext>
             </a:extLst>
           </p:cNvPr>
@@ -382,7 +738,7 @@
           <p:cNvPr id="3" name="Vertical Text Placeholder 2">
             <a:extLst>
               <a:ext uri="{FF2B5EF4-FFF2-40B4-BE49-F238E27FC236}">
-                <a16:creationId xmlns:a16="http://schemas.microsoft.com/office/drawing/2014/main" id="{13D54D78-C7F9-0C4C-B00F-32E6C3744A7D}"/>
+                <a16:creationId xmlns:a16="http://schemas.microsoft.com/office/drawing/2014/main" xmlns="" id="{13D54D78-C7F9-0C4C-B00F-32E6C3744A7D}"/>
               </a:ext>
             </a:extLst>
           </p:cNvPr>
@@ -439,7 +795,7 @@
           <p:cNvPr id="4" name="Date Placeholder 3">
             <a:extLst>
               <a:ext uri="{FF2B5EF4-FFF2-40B4-BE49-F238E27FC236}">
-                <a16:creationId xmlns:a16="http://schemas.microsoft.com/office/drawing/2014/main" id="{8EA887F0-9EC0-1E4B-A0DC-950D12E9D1F3}"/>
+                <a16:creationId xmlns:a16="http://schemas.microsoft.com/office/drawing/2014/main" xmlns="" id="{8EA887F0-9EC0-1E4B-A0DC-950D12E9D1F3}"/>
               </a:ext>
             </a:extLst>
           </p:cNvPr>
@@ -457,7 +813,7 @@
           <a:p>
             <a:fld id="{D3373F39-266C-934B-9505-87CE9E0D3E39}" type="datetimeFigureOut">
               <a:rPr lang="en-US" smtClean="0"/>
-              <a:t>3/1/2019</a:t>
+              <a:t>3/12/19</a:t>
             </a:fld>
             <a:endParaRPr lang="en-US" dirty="0"/>
           </a:p>
@@ -468,7 +824,7 @@
           <p:cNvPr id="5" name="Footer Placeholder 4">
             <a:extLst>
               <a:ext uri="{FF2B5EF4-FFF2-40B4-BE49-F238E27FC236}">
-                <a16:creationId xmlns:a16="http://schemas.microsoft.com/office/drawing/2014/main" id="{1A46060A-D815-8344-B673-0362D636B9CC}"/>
+                <a16:creationId xmlns:a16="http://schemas.microsoft.com/office/drawing/2014/main" xmlns="" id="{1A46060A-D815-8344-B673-0362D636B9CC}"/>
               </a:ext>
             </a:extLst>
           </p:cNvPr>
@@ -493,7 +849,7 @@
           <p:cNvPr id="6" name="Slide Number Placeholder 5">
             <a:extLst>
               <a:ext uri="{FF2B5EF4-FFF2-40B4-BE49-F238E27FC236}">
-                <a16:creationId xmlns:a16="http://schemas.microsoft.com/office/drawing/2014/main" id="{21A73B4C-F98C-054C-ADA5-368C7DAD3E7F}"/>
+                <a16:creationId xmlns:a16="http://schemas.microsoft.com/office/drawing/2014/main" xmlns="" id="{21A73B4C-F98C-054C-ADA5-368C7DAD3E7F}"/>
               </a:ext>
             </a:extLst>
           </p:cNvPr>
@@ -552,7 +908,7 @@
           <p:cNvPr id="2" name="Vertical Title 1">
             <a:extLst>
               <a:ext uri="{FF2B5EF4-FFF2-40B4-BE49-F238E27FC236}">
-                <a16:creationId xmlns:a16="http://schemas.microsoft.com/office/drawing/2014/main" id="{C438D070-4259-FA40-BAD2-6AD0740245AB}"/>
+                <a16:creationId xmlns:a16="http://schemas.microsoft.com/office/drawing/2014/main" xmlns="" id="{C438D070-4259-FA40-BAD2-6AD0740245AB}"/>
               </a:ext>
             </a:extLst>
           </p:cNvPr>
@@ -585,7 +941,7 @@
           <p:cNvPr id="3" name="Vertical Text Placeholder 2">
             <a:extLst>
               <a:ext uri="{FF2B5EF4-FFF2-40B4-BE49-F238E27FC236}">
-                <a16:creationId xmlns:a16="http://schemas.microsoft.com/office/drawing/2014/main" id="{A56278B2-B2E4-014D-A85E-BCC3F54CFE1D}"/>
+                <a16:creationId xmlns:a16="http://schemas.microsoft.com/office/drawing/2014/main" xmlns="" id="{A56278B2-B2E4-014D-A85E-BCC3F54CFE1D}"/>
               </a:ext>
             </a:extLst>
           </p:cNvPr>
@@ -647,7 +1003,7 @@
           <p:cNvPr id="4" name="Date Placeholder 3">
             <a:extLst>
               <a:ext uri="{FF2B5EF4-FFF2-40B4-BE49-F238E27FC236}">
-                <a16:creationId xmlns:a16="http://schemas.microsoft.com/office/drawing/2014/main" id="{57856E8F-C771-A143-B99D-127C2480ADE8}"/>
+                <a16:creationId xmlns:a16="http://schemas.microsoft.com/office/drawing/2014/main" xmlns="" id="{57856E8F-C771-A143-B99D-127C2480ADE8}"/>
               </a:ext>
             </a:extLst>
           </p:cNvPr>
@@ -665,7 +1021,7 @@
           <a:p>
             <a:fld id="{D3373F39-266C-934B-9505-87CE9E0D3E39}" type="datetimeFigureOut">
               <a:rPr lang="en-US" smtClean="0"/>
-              <a:t>3/1/2019</a:t>
+              <a:t>3/12/19</a:t>
             </a:fld>
             <a:endParaRPr lang="en-US" dirty="0"/>
           </a:p>
@@ -676,7 +1032,7 @@
           <p:cNvPr id="5" name="Footer Placeholder 4">
             <a:extLst>
               <a:ext uri="{FF2B5EF4-FFF2-40B4-BE49-F238E27FC236}">
-                <a16:creationId xmlns:a16="http://schemas.microsoft.com/office/drawing/2014/main" id="{526B833C-41D6-784B-AF78-02A035F6F73F}"/>
+                <a16:creationId xmlns:a16="http://schemas.microsoft.com/office/drawing/2014/main" xmlns="" id="{526B833C-41D6-784B-AF78-02A035F6F73F}"/>
               </a:ext>
             </a:extLst>
           </p:cNvPr>
@@ -701,7 +1057,7 @@
           <p:cNvPr id="6" name="Slide Number Placeholder 5">
             <a:extLst>
               <a:ext uri="{FF2B5EF4-FFF2-40B4-BE49-F238E27FC236}">
-                <a16:creationId xmlns:a16="http://schemas.microsoft.com/office/drawing/2014/main" id="{D24CDC28-DBC9-B94D-BAA4-7B18F391AF30}"/>
+                <a16:creationId xmlns:a16="http://schemas.microsoft.com/office/drawing/2014/main" xmlns="" id="{D24CDC28-DBC9-B94D-BAA4-7B18F391AF30}"/>
               </a:ext>
             </a:extLst>
           </p:cNvPr>
@@ -760,7 +1116,7 @@
           <p:cNvPr id="2" name="Title 1">
             <a:extLst>
               <a:ext uri="{FF2B5EF4-FFF2-40B4-BE49-F238E27FC236}">
-                <a16:creationId xmlns:a16="http://schemas.microsoft.com/office/drawing/2014/main" id="{30A535FB-DF12-604C-9156-AAC186B1F7DE}"/>
+                <a16:creationId xmlns:a16="http://schemas.microsoft.com/office/drawing/2014/main" xmlns="" id="{30A535FB-DF12-604C-9156-AAC186B1F7DE}"/>
               </a:ext>
             </a:extLst>
           </p:cNvPr>
@@ -788,7 +1144,7 @@
           <p:cNvPr id="3" name="Content Placeholder 2">
             <a:extLst>
               <a:ext uri="{FF2B5EF4-FFF2-40B4-BE49-F238E27FC236}">
-                <a16:creationId xmlns:a16="http://schemas.microsoft.com/office/drawing/2014/main" id="{E3FBAC6D-5374-014B-ADA4-51CA5AEE1464}"/>
+                <a16:creationId xmlns:a16="http://schemas.microsoft.com/office/drawing/2014/main" xmlns="" id="{E3FBAC6D-5374-014B-ADA4-51CA5AEE1464}"/>
               </a:ext>
             </a:extLst>
           </p:cNvPr>
@@ -845,7 +1201,7 @@
           <p:cNvPr id="4" name="Date Placeholder 3">
             <a:extLst>
               <a:ext uri="{FF2B5EF4-FFF2-40B4-BE49-F238E27FC236}">
-                <a16:creationId xmlns:a16="http://schemas.microsoft.com/office/drawing/2014/main" id="{C47C1FC0-E74E-8146-B46F-6AB13EED2DB1}"/>
+                <a16:creationId xmlns:a16="http://schemas.microsoft.com/office/drawing/2014/main" xmlns="" id="{C47C1FC0-E74E-8146-B46F-6AB13EED2DB1}"/>
               </a:ext>
             </a:extLst>
           </p:cNvPr>
@@ -863,7 +1219,7 @@
           <a:p>
             <a:fld id="{D3373F39-266C-934B-9505-87CE9E0D3E39}" type="datetimeFigureOut">
               <a:rPr lang="en-US" smtClean="0"/>
-              <a:t>3/1/2019</a:t>
+              <a:t>3/12/19</a:t>
             </a:fld>
             <a:endParaRPr lang="en-US" dirty="0"/>
           </a:p>
@@ -874,7 +1230,7 @@
           <p:cNvPr id="5" name="Footer Placeholder 4">
             <a:extLst>
               <a:ext uri="{FF2B5EF4-FFF2-40B4-BE49-F238E27FC236}">
-                <a16:creationId xmlns:a16="http://schemas.microsoft.com/office/drawing/2014/main" id="{B729AC72-DBF0-A54C-BB05-B744F3A2D3F9}"/>
+                <a16:creationId xmlns:a16="http://schemas.microsoft.com/office/drawing/2014/main" xmlns="" id="{B729AC72-DBF0-A54C-BB05-B744F3A2D3F9}"/>
               </a:ext>
             </a:extLst>
           </p:cNvPr>
@@ -899,7 +1255,7 @@
           <p:cNvPr id="6" name="Slide Number Placeholder 5">
             <a:extLst>
               <a:ext uri="{FF2B5EF4-FFF2-40B4-BE49-F238E27FC236}">
-                <a16:creationId xmlns:a16="http://schemas.microsoft.com/office/drawing/2014/main" id="{727FEB60-18C1-D046-9F7C-CCAFCA9FC505}"/>
+                <a16:creationId xmlns:a16="http://schemas.microsoft.com/office/drawing/2014/main" xmlns="" id="{727FEB60-18C1-D046-9F7C-CCAFCA9FC505}"/>
               </a:ext>
             </a:extLst>
           </p:cNvPr>
@@ -958,7 +1314,7 @@
           <p:cNvPr id="2" name="Title 1">
             <a:extLst>
               <a:ext uri="{FF2B5EF4-FFF2-40B4-BE49-F238E27FC236}">
-                <a16:creationId xmlns:a16="http://schemas.microsoft.com/office/drawing/2014/main" id="{A6E2802F-654F-2A43-BCB8-EC7018A9092E}"/>
+                <a16:creationId xmlns:a16="http://schemas.microsoft.com/office/drawing/2014/main" xmlns="" id="{A6E2802F-654F-2A43-BCB8-EC7018A9092E}"/>
               </a:ext>
             </a:extLst>
           </p:cNvPr>
@@ -995,7 +1351,7 @@
           <p:cNvPr id="3" name="Text Placeholder 2">
             <a:extLst>
               <a:ext uri="{FF2B5EF4-FFF2-40B4-BE49-F238E27FC236}">
-                <a16:creationId xmlns:a16="http://schemas.microsoft.com/office/drawing/2014/main" id="{BED1774A-A9E4-0449-8C27-AF37350F4164}"/>
+                <a16:creationId xmlns:a16="http://schemas.microsoft.com/office/drawing/2014/main" xmlns="" id="{BED1774A-A9E4-0449-8C27-AF37350F4164}"/>
               </a:ext>
             </a:extLst>
           </p:cNvPr>
@@ -1120,7 +1476,7 @@
           <p:cNvPr id="4" name="Date Placeholder 3">
             <a:extLst>
               <a:ext uri="{FF2B5EF4-FFF2-40B4-BE49-F238E27FC236}">
-                <a16:creationId xmlns:a16="http://schemas.microsoft.com/office/drawing/2014/main" id="{AF105177-A5E6-F540-8E45-BFE56F5EF421}"/>
+                <a16:creationId xmlns:a16="http://schemas.microsoft.com/office/drawing/2014/main" xmlns="" id="{AF105177-A5E6-F540-8E45-BFE56F5EF421}"/>
               </a:ext>
             </a:extLst>
           </p:cNvPr>
@@ -1138,7 +1494,7 @@
           <a:p>
             <a:fld id="{D3373F39-266C-934B-9505-87CE9E0D3E39}" type="datetimeFigureOut">
               <a:rPr lang="en-US" smtClean="0"/>
-              <a:t>3/1/2019</a:t>
+              <a:t>3/12/19</a:t>
             </a:fld>
             <a:endParaRPr lang="en-US" dirty="0"/>
           </a:p>
@@ -1149,7 +1505,7 @@
           <p:cNvPr id="5" name="Footer Placeholder 4">
             <a:extLst>
               <a:ext uri="{FF2B5EF4-FFF2-40B4-BE49-F238E27FC236}">
-                <a16:creationId xmlns:a16="http://schemas.microsoft.com/office/drawing/2014/main" id="{AF5EF7AF-C245-824E-86BE-AA041DB2ED54}"/>
+                <a16:creationId xmlns:a16="http://schemas.microsoft.com/office/drawing/2014/main" xmlns="" id="{AF5EF7AF-C245-824E-86BE-AA041DB2ED54}"/>
               </a:ext>
             </a:extLst>
           </p:cNvPr>
@@ -1174,7 +1530,7 @@
           <p:cNvPr id="6" name="Slide Number Placeholder 5">
             <a:extLst>
               <a:ext uri="{FF2B5EF4-FFF2-40B4-BE49-F238E27FC236}">
-                <a16:creationId xmlns:a16="http://schemas.microsoft.com/office/drawing/2014/main" id="{D162A9F1-5503-4140-920C-4538E5A31F02}"/>
+                <a16:creationId xmlns:a16="http://schemas.microsoft.com/office/drawing/2014/main" xmlns="" id="{D162A9F1-5503-4140-920C-4538E5A31F02}"/>
               </a:ext>
             </a:extLst>
           </p:cNvPr>
@@ -1233,7 +1589,7 @@
           <p:cNvPr id="2" name="Title 1">
             <a:extLst>
               <a:ext uri="{FF2B5EF4-FFF2-40B4-BE49-F238E27FC236}">
-                <a16:creationId xmlns:a16="http://schemas.microsoft.com/office/drawing/2014/main" id="{8BF34A88-36BA-5D49-AB6E-DF1F0CE8D2E7}"/>
+                <a16:creationId xmlns:a16="http://schemas.microsoft.com/office/drawing/2014/main" xmlns="" id="{8BF34A88-36BA-5D49-AB6E-DF1F0CE8D2E7}"/>
               </a:ext>
             </a:extLst>
           </p:cNvPr>
@@ -1261,7 +1617,7 @@
           <p:cNvPr id="3" name="Content Placeholder 2">
             <a:extLst>
               <a:ext uri="{FF2B5EF4-FFF2-40B4-BE49-F238E27FC236}">
-                <a16:creationId xmlns:a16="http://schemas.microsoft.com/office/drawing/2014/main" id="{A7EB9C94-0CBE-0C48-9764-6D4EC1822828}"/>
+                <a16:creationId xmlns:a16="http://schemas.microsoft.com/office/drawing/2014/main" xmlns="" id="{A7EB9C94-0CBE-0C48-9764-6D4EC1822828}"/>
               </a:ext>
             </a:extLst>
           </p:cNvPr>
@@ -1323,7 +1679,7 @@
           <p:cNvPr id="4" name="Content Placeholder 3">
             <a:extLst>
               <a:ext uri="{FF2B5EF4-FFF2-40B4-BE49-F238E27FC236}">
-                <a16:creationId xmlns:a16="http://schemas.microsoft.com/office/drawing/2014/main" id="{B940FC20-486B-4441-B76A-49EF81C2996E}"/>
+                <a16:creationId xmlns:a16="http://schemas.microsoft.com/office/drawing/2014/main" xmlns="" id="{B940FC20-486B-4441-B76A-49EF81C2996E}"/>
               </a:ext>
             </a:extLst>
           </p:cNvPr>
@@ -1385,7 +1741,7 @@
           <p:cNvPr id="5" name="Date Placeholder 4">
             <a:extLst>
               <a:ext uri="{FF2B5EF4-FFF2-40B4-BE49-F238E27FC236}">
-                <a16:creationId xmlns:a16="http://schemas.microsoft.com/office/drawing/2014/main" id="{5174DF4E-E413-3941-9BCE-551769FF290C}"/>
+                <a16:creationId xmlns:a16="http://schemas.microsoft.com/office/drawing/2014/main" xmlns="" id="{5174DF4E-E413-3941-9BCE-551769FF290C}"/>
               </a:ext>
             </a:extLst>
           </p:cNvPr>
@@ -1403,7 +1759,7 @@
           <a:p>
             <a:fld id="{D3373F39-266C-934B-9505-87CE9E0D3E39}" type="datetimeFigureOut">
               <a:rPr lang="en-US" smtClean="0"/>
-              <a:t>3/1/2019</a:t>
+              <a:t>3/12/19</a:t>
             </a:fld>
             <a:endParaRPr lang="en-US" dirty="0"/>
           </a:p>
@@ -1414,7 +1770,7 @@
           <p:cNvPr id="6" name="Footer Placeholder 5">
             <a:extLst>
               <a:ext uri="{FF2B5EF4-FFF2-40B4-BE49-F238E27FC236}">
-                <a16:creationId xmlns:a16="http://schemas.microsoft.com/office/drawing/2014/main" id="{104D318E-BC54-C946-9C56-C219F75CE80B}"/>
+                <a16:creationId xmlns:a16="http://schemas.microsoft.com/office/drawing/2014/main" xmlns="" id="{104D318E-BC54-C946-9C56-C219F75CE80B}"/>
               </a:ext>
             </a:extLst>
           </p:cNvPr>
@@ -1439,7 +1795,7 @@
           <p:cNvPr id="7" name="Slide Number Placeholder 6">
             <a:extLst>
               <a:ext uri="{FF2B5EF4-FFF2-40B4-BE49-F238E27FC236}">
-                <a16:creationId xmlns:a16="http://schemas.microsoft.com/office/drawing/2014/main" id="{0F9DF805-7EE7-2D4C-85A7-CB7F432F95E8}"/>
+                <a16:creationId xmlns:a16="http://schemas.microsoft.com/office/drawing/2014/main" xmlns="" id="{0F9DF805-7EE7-2D4C-85A7-CB7F432F95E8}"/>
               </a:ext>
             </a:extLst>
           </p:cNvPr>
@@ -1498,7 +1854,7 @@
           <p:cNvPr id="2" name="Title 1">
             <a:extLst>
               <a:ext uri="{FF2B5EF4-FFF2-40B4-BE49-F238E27FC236}">
-                <a16:creationId xmlns:a16="http://schemas.microsoft.com/office/drawing/2014/main" id="{B813311F-9791-5643-B527-E5FF9597B9AB}"/>
+                <a16:creationId xmlns:a16="http://schemas.microsoft.com/office/drawing/2014/main" xmlns="" id="{B813311F-9791-5643-B527-E5FF9597B9AB}"/>
               </a:ext>
             </a:extLst>
           </p:cNvPr>
@@ -1531,7 +1887,7 @@
           <p:cNvPr id="3" name="Text Placeholder 2">
             <a:extLst>
               <a:ext uri="{FF2B5EF4-FFF2-40B4-BE49-F238E27FC236}">
-                <a16:creationId xmlns:a16="http://schemas.microsoft.com/office/drawing/2014/main" id="{63CC1015-9CB9-CE4B-96E3-772BDAB50C9F}"/>
+                <a16:creationId xmlns:a16="http://schemas.microsoft.com/office/drawing/2014/main" xmlns="" id="{63CC1015-9CB9-CE4B-96E3-772BDAB50C9F}"/>
               </a:ext>
             </a:extLst>
           </p:cNvPr>
@@ -1602,7 +1958,7 @@
           <p:cNvPr id="4" name="Content Placeholder 3">
             <a:extLst>
               <a:ext uri="{FF2B5EF4-FFF2-40B4-BE49-F238E27FC236}">
-                <a16:creationId xmlns:a16="http://schemas.microsoft.com/office/drawing/2014/main" id="{280D2AED-9174-FF4E-85E3-C4D536D01196}"/>
+                <a16:creationId xmlns:a16="http://schemas.microsoft.com/office/drawing/2014/main" xmlns="" id="{280D2AED-9174-FF4E-85E3-C4D536D01196}"/>
               </a:ext>
             </a:extLst>
           </p:cNvPr>
@@ -1664,7 +2020,7 @@
           <p:cNvPr id="5" name="Text Placeholder 4">
             <a:extLst>
               <a:ext uri="{FF2B5EF4-FFF2-40B4-BE49-F238E27FC236}">
-                <a16:creationId xmlns:a16="http://schemas.microsoft.com/office/drawing/2014/main" id="{66845BDA-E4FF-C14C-8F22-AA96FA3038D6}"/>
+                <a16:creationId xmlns:a16="http://schemas.microsoft.com/office/drawing/2014/main" xmlns="" id="{66845BDA-E4FF-C14C-8F22-AA96FA3038D6}"/>
               </a:ext>
             </a:extLst>
           </p:cNvPr>
@@ -1735,7 +2091,7 @@
           <p:cNvPr id="6" name="Content Placeholder 5">
             <a:extLst>
               <a:ext uri="{FF2B5EF4-FFF2-40B4-BE49-F238E27FC236}">
-                <a16:creationId xmlns:a16="http://schemas.microsoft.com/office/drawing/2014/main" id="{4CFFFE17-E6F8-ED4F-A91B-8E923F261E19}"/>
+                <a16:creationId xmlns:a16="http://schemas.microsoft.com/office/drawing/2014/main" xmlns="" id="{4CFFFE17-E6F8-ED4F-A91B-8E923F261E19}"/>
               </a:ext>
             </a:extLst>
           </p:cNvPr>
@@ -1797,7 +2153,7 @@
           <p:cNvPr id="7" name="Date Placeholder 6">
             <a:extLst>
               <a:ext uri="{FF2B5EF4-FFF2-40B4-BE49-F238E27FC236}">
-                <a16:creationId xmlns:a16="http://schemas.microsoft.com/office/drawing/2014/main" id="{FD1527B2-B4D0-DD45-8E6D-72609842D9DB}"/>
+                <a16:creationId xmlns:a16="http://schemas.microsoft.com/office/drawing/2014/main" xmlns="" id="{FD1527B2-B4D0-DD45-8E6D-72609842D9DB}"/>
               </a:ext>
             </a:extLst>
           </p:cNvPr>
@@ -1815,7 +2171,7 @@
           <a:p>
             <a:fld id="{D3373F39-266C-934B-9505-87CE9E0D3E39}" type="datetimeFigureOut">
               <a:rPr lang="en-US" smtClean="0"/>
-              <a:t>3/1/2019</a:t>
+              <a:t>3/12/19</a:t>
             </a:fld>
             <a:endParaRPr lang="en-US" dirty="0"/>
           </a:p>
@@ -1826,7 +2182,7 @@
           <p:cNvPr id="8" name="Footer Placeholder 7">
             <a:extLst>
               <a:ext uri="{FF2B5EF4-FFF2-40B4-BE49-F238E27FC236}">
-                <a16:creationId xmlns:a16="http://schemas.microsoft.com/office/drawing/2014/main" id="{FB101BDE-7D43-6344-BCAD-C34863191A3B}"/>
+                <a16:creationId xmlns:a16="http://schemas.microsoft.com/office/drawing/2014/main" xmlns="" id="{FB101BDE-7D43-6344-BCAD-C34863191A3B}"/>
               </a:ext>
             </a:extLst>
           </p:cNvPr>
@@ -1851,7 +2207,7 @@
           <p:cNvPr id="9" name="Slide Number Placeholder 8">
             <a:extLst>
               <a:ext uri="{FF2B5EF4-FFF2-40B4-BE49-F238E27FC236}">
-                <a16:creationId xmlns:a16="http://schemas.microsoft.com/office/drawing/2014/main" id="{56D0B798-CDB2-0049-BD7E-1693B60BCEA0}"/>
+                <a16:creationId xmlns:a16="http://schemas.microsoft.com/office/drawing/2014/main" xmlns="" id="{56D0B798-CDB2-0049-BD7E-1693B60BCEA0}"/>
               </a:ext>
             </a:extLst>
           </p:cNvPr>
@@ -1910,7 +2266,7 @@
           <p:cNvPr id="2" name="Title 1">
             <a:extLst>
               <a:ext uri="{FF2B5EF4-FFF2-40B4-BE49-F238E27FC236}">
-                <a16:creationId xmlns:a16="http://schemas.microsoft.com/office/drawing/2014/main" id="{2BFF2C2B-E763-4744-BA31-E9E162C588B0}"/>
+                <a16:creationId xmlns:a16="http://schemas.microsoft.com/office/drawing/2014/main" xmlns="" id="{2BFF2C2B-E763-4744-BA31-E9E162C588B0}"/>
               </a:ext>
             </a:extLst>
           </p:cNvPr>
@@ -1938,7 +2294,7 @@
           <p:cNvPr id="3" name="Date Placeholder 2">
             <a:extLst>
               <a:ext uri="{FF2B5EF4-FFF2-40B4-BE49-F238E27FC236}">
-                <a16:creationId xmlns:a16="http://schemas.microsoft.com/office/drawing/2014/main" id="{B8072352-31D1-7A4E-9BB9-B16EFED4F0B3}"/>
+                <a16:creationId xmlns:a16="http://schemas.microsoft.com/office/drawing/2014/main" xmlns="" id="{B8072352-31D1-7A4E-9BB9-B16EFED4F0B3}"/>
               </a:ext>
             </a:extLst>
           </p:cNvPr>
@@ -1956,7 +2312,7 @@
           <a:p>
             <a:fld id="{D3373F39-266C-934B-9505-87CE9E0D3E39}" type="datetimeFigureOut">
               <a:rPr lang="en-US" smtClean="0"/>
-              <a:t>3/1/2019</a:t>
+              <a:t>3/12/19</a:t>
             </a:fld>
             <a:endParaRPr lang="en-US" dirty="0"/>
           </a:p>
@@ -1967,7 +2323,7 @@
           <p:cNvPr id="4" name="Footer Placeholder 3">
             <a:extLst>
               <a:ext uri="{FF2B5EF4-FFF2-40B4-BE49-F238E27FC236}">
-                <a16:creationId xmlns:a16="http://schemas.microsoft.com/office/drawing/2014/main" id="{4B8B86B3-4BD8-3F4D-BB97-E80D023586EE}"/>
+                <a16:creationId xmlns:a16="http://schemas.microsoft.com/office/drawing/2014/main" xmlns="" id="{4B8B86B3-4BD8-3F4D-BB97-E80D023586EE}"/>
               </a:ext>
             </a:extLst>
           </p:cNvPr>
@@ -1992,7 +2348,7 @@
           <p:cNvPr id="5" name="Slide Number Placeholder 4">
             <a:extLst>
               <a:ext uri="{FF2B5EF4-FFF2-40B4-BE49-F238E27FC236}">
-                <a16:creationId xmlns:a16="http://schemas.microsoft.com/office/drawing/2014/main" id="{DDF479F1-8604-EE41-987F-B5A5927593F8}"/>
+                <a16:creationId xmlns:a16="http://schemas.microsoft.com/office/drawing/2014/main" xmlns="" id="{DDF479F1-8604-EE41-987F-B5A5927593F8}"/>
               </a:ext>
             </a:extLst>
           </p:cNvPr>
@@ -2051,7 +2407,7 @@
           <p:cNvPr id="2" name="Date Placeholder 1">
             <a:extLst>
               <a:ext uri="{FF2B5EF4-FFF2-40B4-BE49-F238E27FC236}">
-                <a16:creationId xmlns:a16="http://schemas.microsoft.com/office/drawing/2014/main" id="{C28D6D09-EDA1-7C42-98E3-355029CA16EA}"/>
+                <a16:creationId xmlns:a16="http://schemas.microsoft.com/office/drawing/2014/main" xmlns="" id="{C28D6D09-EDA1-7C42-98E3-355029CA16EA}"/>
               </a:ext>
             </a:extLst>
           </p:cNvPr>
@@ -2069,7 +2425,7 @@
           <a:p>
             <a:fld id="{D3373F39-266C-934B-9505-87CE9E0D3E39}" type="datetimeFigureOut">
               <a:rPr lang="en-US" smtClean="0"/>
-              <a:t>3/1/2019</a:t>
+              <a:t>3/12/19</a:t>
             </a:fld>
             <a:endParaRPr lang="en-US" dirty="0"/>
           </a:p>
@@ -2080,7 +2436,7 @@
           <p:cNvPr id="3" name="Footer Placeholder 2">
             <a:extLst>
               <a:ext uri="{FF2B5EF4-FFF2-40B4-BE49-F238E27FC236}">
-                <a16:creationId xmlns:a16="http://schemas.microsoft.com/office/drawing/2014/main" id="{F4BD7C19-466D-BE4D-B1C9-F2D518BF3147}"/>
+                <a16:creationId xmlns:a16="http://schemas.microsoft.com/office/drawing/2014/main" xmlns="" id="{F4BD7C19-466D-BE4D-B1C9-F2D518BF3147}"/>
               </a:ext>
             </a:extLst>
           </p:cNvPr>
@@ -2105,7 +2461,7 @@
           <p:cNvPr id="4" name="Slide Number Placeholder 3">
             <a:extLst>
               <a:ext uri="{FF2B5EF4-FFF2-40B4-BE49-F238E27FC236}">
-                <a16:creationId xmlns:a16="http://schemas.microsoft.com/office/drawing/2014/main" id="{690150D0-1299-4D40-BBF6-C0D8C338786F}"/>
+                <a16:creationId xmlns:a16="http://schemas.microsoft.com/office/drawing/2014/main" xmlns="" id="{690150D0-1299-4D40-BBF6-C0D8C338786F}"/>
               </a:ext>
             </a:extLst>
           </p:cNvPr>
@@ -2164,7 +2520,7 @@
           <p:cNvPr id="2" name="Title 1">
             <a:extLst>
               <a:ext uri="{FF2B5EF4-FFF2-40B4-BE49-F238E27FC236}">
-                <a16:creationId xmlns:a16="http://schemas.microsoft.com/office/drawing/2014/main" id="{4CB61D73-4CCC-344C-B942-A05A6DC78AD6}"/>
+                <a16:creationId xmlns:a16="http://schemas.microsoft.com/office/drawing/2014/main" xmlns="" id="{4CB61D73-4CCC-344C-B942-A05A6DC78AD6}"/>
               </a:ext>
             </a:extLst>
           </p:cNvPr>
@@ -2201,7 +2557,7 @@
           <p:cNvPr id="3" name="Content Placeholder 2">
             <a:extLst>
               <a:ext uri="{FF2B5EF4-FFF2-40B4-BE49-F238E27FC236}">
-                <a16:creationId xmlns:a16="http://schemas.microsoft.com/office/drawing/2014/main" id="{93E9128C-09BB-B24D-ADA7-1431FDDDE0B8}"/>
+                <a16:creationId xmlns:a16="http://schemas.microsoft.com/office/drawing/2014/main" xmlns="" id="{93E9128C-09BB-B24D-ADA7-1431FDDDE0B8}"/>
               </a:ext>
             </a:extLst>
           </p:cNvPr>
@@ -2291,7 +2647,7 @@
           <p:cNvPr id="4" name="Text Placeholder 3">
             <a:extLst>
               <a:ext uri="{FF2B5EF4-FFF2-40B4-BE49-F238E27FC236}">
-                <a16:creationId xmlns:a16="http://schemas.microsoft.com/office/drawing/2014/main" id="{1976F1E6-A411-EC45-9E84-F47CA9203C68}"/>
+                <a16:creationId xmlns:a16="http://schemas.microsoft.com/office/drawing/2014/main" xmlns="" id="{1976F1E6-A411-EC45-9E84-F47CA9203C68}"/>
               </a:ext>
             </a:extLst>
           </p:cNvPr>
@@ -2362,7 +2718,7 @@
           <p:cNvPr id="5" name="Date Placeholder 4">
             <a:extLst>
               <a:ext uri="{FF2B5EF4-FFF2-40B4-BE49-F238E27FC236}">
-                <a16:creationId xmlns:a16="http://schemas.microsoft.com/office/drawing/2014/main" id="{6F08B280-676E-BE45-A44B-9B04D93B09A3}"/>
+                <a16:creationId xmlns:a16="http://schemas.microsoft.com/office/drawing/2014/main" xmlns="" id="{6F08B280-676E-BE45-A44B-9B04D93B09A3}"/>
               </a:ext>
             </a:extLst>
           </p:cNvPr>
@@ -2380,7 +2736,7 @@
           <a:p>
             <a:fld id="{D3373F39-266C-934B-9505-87CE9E0D3E39}" type="datetimeFigureOut">
               <a:rPr lang="en-US" smtClean="0"/>
-              <a:t>3/1/2019</a:t>
+              <a:t>3/12/19</a:t>
             </a:fld>
             <a:endParaRPr lang="en-US" dirty="0"/>
           </a:p>
@@ -2391,7 +2747,7 @@
           <p:cNvPr id="6" name="Footer Placeholder 5">
             <a:extLst>
               <a:ext uri="{FF2B5EF4-FFF2-40B4-BE49-F238E27FC236}">
-                <a16:creationId xmlns:a16="http://schemas.microsoft.com/office/drawing/2014/main" id="{16B2F540-081E-D14D-BCED-E7FABA9AD1A4}"/>
+                <a16:creationId xmlns:a16="http://schemas.microsoft.com/office/drawing/2014/main" xmlns="" id="{16B2F540-081E-D14D-BCED-E7FABA9AD1A4}"/>
               </a:ext>
             </a:extLst>
           </p:cNvPr>
@@ -2416,7 +2772,7 @@
           <p:cNvPr id="7" name="Slide Number Placeholder 6">
             <a:extLst>
               <a:ext uri="{FF2B5EF4-FFF2-40B4-BE49-F238E27FC236}">
-                <a16:creationId xmlns:a16="http://schemas.microsoft.com/office/drawing/2014/main" id="{83082B9C-54D2-3642-9369-C0C305492555}"/>
+                <a16:creationId xmlns:a16="http://schemas.microsoft.com/office/drawing/2014/main" xmlns="" id="{83082B9C-54D2-3642-9369-C0C305492555}"/>
               </a:ext>
             </a:extLst>
           </p:cNvPr>
@@ -2475,7 +2831,7 @@
           <p:cNvPr id="2" name="Title 1">
             <a:extLst>
               <a:ext uri="{FF2B5EF4-FFF2-40B4-BE49-F238E27FC236}">
-                <a16:creationId xmlns:a16="http://schemas.microsoft.com/office/drawing/2014/main" id="{21A35EA7-DD07-404F-AC1A-96CF296E450C}"/>
+                <a16:creationId xmlns:a16="http://schemas.microsoft.com/office/drawing/2014/main" xmlns="" id="{21A35EA7-DD07-404F-AC1A-96CF296E450C}"/>
               </a:ext>
             </a:extLst>
           </p:cNvPr>
@@ -2512,7 +2868,7 @@
           <p:cNvPr id="3" name="Picture Placeholder 2">
             <a:extLst>
               <a:ext uri="{FF2B5EF4-FFF2-40B4-BE49-F238E27FC236}">
-                <a16:creationId xmlns:a16="http://schemas.microsoft.com/office/drawing/2014/main" id="{8D7F6716-3BF9-C941-98F2-B95E6F6A2B66}"/>
+                <a16:creationId xmlns:a16="http://schemas.microsoft.com/office/drawing/2014/main" xmlns="" id="{8D7F6716-3BF9-C941-98F2-B95E6F6A2B66}"/>
               </a:ext>
             </a:extLst>
           </p:cNvPr>
@@ -2579,7 +2935,7 @@
           <p:cNvPr id="4" name="Text Placeholder 3">
             <a:extLst>
               <a:ext uri="{FF2B5EF4-FFF2-40B4-BE49-F238E27FC236}">
-                <a16:creationId xmlns:a16="http://schemas.microsoft.com/office/drawing/2014/main" id="{C4E1DDDA-1B3B-0C49-919F-5F2F824C0EE0}"/>
+                <a16:creationId xmlns:a16="http://schemas.microsoft.com/office/drawing/2014/main" xmlns="" id="{C4E1DDDA-1B3B-0C49-919F-5F2F824C0EE0}"/>
               </a:ext>
             </a:extLst>
           </p:cNvPr>
@@ -2650,7 +3006,7 @@
           <p:cNvPr id="5" name="Date Placeholder 4">
             <a:extLst>
               <a:ext uri="{FF2B5EF4-FFF2-40B4-BE49-F238E27FC236}">
-                <a16:creationId xmlns:a16="http://schemas.microsoft.com/office/drawing/2014/main" id="{2A91BC82-ED98-BE45-A40C-7AA1E646B208}"/>
+                <a16:creationId xmlns:a16="http://schemas.microsoft.com/office/drawing/2014/main" xmlns="" id="{2A91BC82-ED98-BE45-A40C-7AA1E646B208}"/>
               </a:ext>
             </a:extLst>
           </p:cNvPr>
@@ -2668,7 +3024,7 @@
           <a:p>
             <a:fld id="{D3373F39-266C-934B-9505-87CE9E0D3E39}" type="datetimeFigureOut">
               <a:rPr lang="en-US" smtClean="0"/>
-              <a:t>3/1/2019</a:t>
+              <a:t>3/12/19</a:t>
             </a:fld>
             <a:endParaRPr lang="en-US" dirty="0"/>
           </a:p>
@@ -2679,7 +3035,7 @@
           <p:cNvPr id="6" name="Footer Placeholder 5">
             <a:extLst>
               <a:ext uri="{FF2B5EF4-FFF2-40B4-BE49-F238E27FC236}">
-                <a16:creationId xmlns:a16="http://schemas.microsoft.com/office/drawing/2014/main" id="{666C9C3E-B995-614A-9E67-81FCCA1049FE}"/>
+                <a16:creationId xmlns:a16="http://schemas.microsoft.com/office/drawing/2014/main" xmlns="" id="{666C9C3E-B995-614A-9E67-81FCCA1049FE}"/>
               </a:ext>
             </a:extLst>
           </p:cNvPr>
@@ -2704,7 +3060,7 @@
           <p:cNvPr id="7" name="Slide Number Placeholder 6">
             <a:extLst>
               <a:ext uri="{FF2B5EF4-FFF2-40B4-BE49-F238E27FC236}">
-                <a16:creationId xmlns:a16="http://schemas.microsoft.com/office/drawing/2014/main" id="{FC220283-948E-C243-B3DB-4E9C9DA4E5F7}"/>
+                <a16:creationId xmlns:a16="http://schemas.microsoft.com/office/drawing/2014/main" xmlns="" id="{FC220283-948E-C243-B3DB-4E9C9DA4E5F7}"/>
               </a:ext>
             </a:extLst>
           </p:cNvPr>
@@ -2768,7 +3124,7 @@
           <p:cNvPr id="2" name="Title Placeholder 1">
             <a:extLst>
               <a:ext uri="{FF2B5EF4-FFF2-40B4-BE49-F238E27FC236}">
-                <a16:creationId xmlns:a16="http://schemas.microsoft.com/office/drawing/2014/main" id="{8EFDFF4B-51F1-BD4E-92A8-F263076E6E88}"/>
+                <a16:creationId xmlns:a16="http://schemas.microsoft.com/office/drawing/2014/main" xmlns="" id="{8EFDFF4B-51F1-BD4E-92A8-F263076E6E88}"/>
               </a:ext>
             </a:extLst>
           </p:cNvPr>
@@ -2806,7 +3162,7 @@
           <p:cNvPr id="3" name="Text Placeholder 2">
             <a:extLst>
               <a:ext uri="{FF2B5EF4-FFF2-40B4-BE49-F238E27FC236}">
-                <a16:creationId xmlns:a16="http://schemas.microsoft.com/office/drawing/2014/main" id="{CB90722A-A3A0-4D4F-AB71-B033D3CE1888}"/>
+                <a16:creationId xmlns:a16="http://schemas.microsoft.com/office/drawing/2014/main" xmlns="" id="{CB90722A-A3A0-4D4F-AB71-B033D3CE1888}"/>
               </a:ext>
             </a:extLst>
           </p:cNvPr>
@@ -2873,7 +3229,7 @@
           <p:cNvPr id="4" name="Date Placeholder 3">
             <a:extLst>
               <a:ext uri="{FF2B5EF4-FFF2-40B4-BE49-F238E27FC236}">
-                <a16:creationId xmlns:a16="http://schemas.microsoft.com/office/drawing/2014/main" id="{4D1C96A8-0C53-D146-B48F-93CA74F75F41}"/>
+                <a16:creationId xmlns:a16="http://schemas.microsoft.com/office/drawing/2014/main" xmlns="" id="{4D1C96A8-0C53-D146-B48F-93CA74F75F41}"/>
               </a:ext>
             </a:extLst>
           </p:cNvPr>
@@ -2909,7 +3265,7 @@
           <a:p>
             <a:fld id="{D3373F39-266C-934B-9505-87CE9E0D3E39}" type="datetimeFigureOut">
               <a:rPr lang="en-US" smtClean="0"/>
-              <a:t>3/1/2019</a:t>
+              <a:t>3/12/19</a:t>
             </a:fld>
             <a:endParaRPr lang="en-US" dirty="0"/>
           </a:p>
@@ -2920,7 +3276,7 @@
           <p:cNvPr id="5" name="Footer Placeholder 4">
             <a:extLst>
               <a:ext uri="{FF2B5EF4-FFF2-40B4-BE49-F238E27FC236}">
-                <a16:creationId xmlns:a16="http://schemas.microsoft.com/office/drawing/2014/main" id="{5003CB61-7E91-3347-A767-62FB83BAA8AB}"/>
+                <a16:creationId xmlns:a16="http://schemas.microsoft.com/office/drawing/2014/main" xmlns="" id="{5003CB61-7E91-3347-A767-62FB83BAA8AB}"/>
               </a:ext>
             </a:extLst>
           </p:cNvPr>
@@ -2963,7 +3319,7 @@
           <p:cNvPr id="6" name="Slide Number Placeholder 5">
             <a:extLst>
               <a:ext uri="{FF2B5EF4-FFF2-40B4-BE49-F238E27FC236}">
-                <a16:creationId xmlns:a16="http://schemas.microsoft.com/office/drawing/2014/main" id="{EF7ACF26-1E19-2443-9A68-4F647F9D34AF}"/>
+                <a16:creationId xmlns:a16="http://schemas.microsoft.com/office/drawing/2014/main" xmlns="" id="{EF7ACF26-1E19-2443-9A68-4F647F9D34AF}"/>
               </a:ext>
             </a:extLst>
           </p:cNvPr>
@@ -3331,7 +3687,7 @@
           <p:cNvPr id="4" name="Rectangle 3">
             <a:extLst>
               <a:ext uri="{FF2B5EF4-FFF2-40B4-BE49-F238E27FC236}">
-                <a16:creationId xmlns:a16="http://schemas.microsoft.com/office/drawing/2014/main" id="{63ACB1F2-420D-8C4F-92C9-BA7C399D57CC}"/>
+                <a16:creationId xmlns:a16="http://schemas.microsoft.com/office/drawing/2014/main" xmlns="" id="{63ACB1F2-420D-8C4F-92C9-BA7C399D57CC}"/>
               </a:ext>
             </a:extLst>
           </p:cNvPr>
@@ -3389,7 +3745,7 @@
           <p:cNvPr id="5" name="Oval 4">
             <a:extLst>
               <a:ext uri="{FF2B5EF4-FFF2-40B4-BE49-F238E27FC236}">
-                <a16:creationId xmlns:a16="http://schemas.microsoft.com/office/drawing/2014/main" id="{53BC013B-7C33-D441-BFF2-4358F5809A57}"/>
+                <a16:creationId xmlns:a16="http://schemas.microsoft.com/office/drawing/2014/main" xmlns="" id="{53BC013B-7C33-D441-BFF2-4358F5809A57}"/>
               </a:ext>
             </a:extLst>
           </p:cNvPr>
@@ -3448,7 +3804,7 @@
           <p:cNvPr id="7" name="Rectangle 6">
             <a:extLst>
               <a:ext uri="{FF2B5EF4-FFF2-40B4-BE49-F238E27FC236}">
-                <a16:creationId xmlns:a16="http://schemas.microsoft.com/office/drawing/2014/main" id="{170B057C-D018-0148-B1FC-A9795CF556AB}"/>
+                <a16:creationId xmlns:a16="http://schemas.microsoft.com/office/drawing/2014/main" xmlns="" id="{170B057C-D018-0148-B1FC-A9795CF556AB}"/>
               </a:ext>
             </a:extLst>
           </p:cNvPr>
@@ -3503,7 +3859,7 @@
           <p:cNvPr id="10" name="Arc 9">
             <a:extLst>
               <a:ext uri="{FF2B5EF4-FFF2-40B4-BE49-F238E27FC236}">
-                <a16:creationId xmlns:a16="http://schemas.microsoft.com/office/drawing/2014/main" id="{E2988CBC-885E-CE41-B6B2-3329F9C99CE2}"/>
+                <a16:creationId xmlns:a16="http://schemas.microsoft.com/office/drawing/2014/main" xmlns="" id="{E2988CBC-885E-CE41-B6B2-3329F9C99CE2}"/>
               </a:ext>
             </a:extLst>
           </p:cNvPr>
@@ -3557,7 +3913,7 @@
           <p:cNvPr id="11" name="TextBox 10">
             <a:extLst>
               <a:ext uri="{FF2B5EF4-FFF2-40B4-BE49-F238E27FC236}">
-                <a16:creationId xmlns:a16="http://schemas.microsoft.com/office/drawing/2014/main" id="{56585075-5042-8049-BD9E-B844A2BA8872}"/>
+                <a16:creationId xmlns:a16="http://schemas.microsoft.com/office/drawing/2014/main" xmlns="" id="{56585075-5042-8049-BD9E-B844A2BA8872}"/>
               </a:ext>
             </a:extLst>
           </p:cNvPr>
@@ -3582,11 +3938,7 @@
           <a:p>
             <a:r>
               <a:rPr lang="en-US" sz="2000" b="1" dirty="0"/>
-              <a:t>Materials </a:t>
-            </a:r>
-            <a:r>
-              <a:rPr lang="en-US" sz="2000" b="1" dirty="0"/>
-              <a:t>G</a:t>
+              <a:t>Materials G</a:t>
             </a:r>
             <a:r>
               <a:rPr lang="en-US" sz="2000" b="1" dirty="0" smtClean="0"/>
@@ -3596,11 +3948,7 @@
           <a:p>
             <a:r>
               <a:rPr lang="en-US" sz="2000" b="1" dirty="0" smtClean="0"/>
-              <a:t>Temperature</a:t>
-            </a:r>
-            <a:r>
-              <a:rPr lang="en-US" sz="2000" b="1" dirty="0" smtClean="0"/>
-              <a:t> </a:t>
+              <a:t>Temperature </a:t>
             </a:r>
             <a:r>
               <a:rPr lang="en-US" sz="2000" b="1" dirty="0"/>
@@ -3619,7 +3967,7 @@
           <p:cNvPr id="12" name="TextBox 11">
             <a:extLst>
               <a:ext uri="{FF2B5EF4-FFF2-40B4-BE49-F238E27FC236}">
-                <a16:creationId xmlns:a16="http://schemas.microsoft.com/office/drawing/2014/main" id="{C0C267E6-B865-1D4F-B805-54F6C037C98C}"/>
+                <a16:creationId xmlns:a16="http://schemas.microsoft.com/office/drawing/2014/main" xmlns="" id="{C0C267E6-B865-1D4F-B805-54F6C037C98C}"/>
               </a:ext>
             </a:extLst>
           </p:cNvPr>
@@ -3666,7 +4014,7 @@
           <p:cNvPr id="13" name="Rectangle 12">
             <a:extLst>
               <a:ext uri="{FF2B5EF4-FFF2-40B4-BE49-F238E27FC236}">
-                <a16:creationId xmlns:a16="http://schemas.microsoft.com/office/drawing/2014/main" id="{FB4CA3F8-665F-3F48-BC17-20FB65F660F9}"/>
+                <a16:creationId xmlns:a16="http://schemas.microsoft.com/office/drawing/2014/main" xmlns="" id="{FB4CA3F8-665F-3F48-BC17-20FB65F660F9}"/>
               </a:ext>
             </a:extLst>
           </p:cNvPr>
@@ -3721,7 +4069,7 @@
           <p:cNvPr id="14" name="Rectangle 13">
             <a:extLst>
               <a:ext uri="{FF2B5EF4-FFF2-40B4-BE49-F238E27FC236}">
-                <a16:creationId xmlns:a16="http://schemas.microsoft.com/office/drawing/2014/main" id="{8987DE56-67B0-D74B-BC73-C7D5C5875CE0}"/>
+                <a16:creationId xmlns:a16="http://schemas.microsoft.com/office/drawing/2014/main" xmlns="" id="{8987DE56-67B0-D74B-BC73-C7D5C5875CE0}"/>
               </a:ext>
             </a:extLst>
           </p:cNvPr>
@@ -3776,7 +4124,7 @@
           <p:cNvPr id="15" name="Rectangle 14">
             <a:extLst>
               <a:ext uri="{FF2B5EF4-FFF2-40B4-BE49-F238E27FC236}">
-                <a16:creationId xmlns:a16="http://schemas.microsoft.com/office/drawing/2014/main" id="{A6172350-78FB-1C4E-A41E-0252CC9B499D}"/>
+                <a16:creationId xmlns:a16="http://schemas.microsoft.com/office/drawing/2014/main" xmlns="" id="{A6172350-78FB-1C4E-A41E-0252CC9B499D}"/>
               </a:ext>
             </a:extLst>
           </p:cNvPr>
@@ -3831,7 +4179,7 @@
           <p:cNvPr id="16" name="Rectangle 15">
             <a:extLst>
               <a:ext uri="{FF2B5EF4-FFF2-40B4-BE49-F238E27FC236}">
-                <a16:creationId xmlns:a16="http://schemas.microsoft.com/office/drawing/2014/main" id="{18C230D1-092B-D94A-B538-C9AFB9DFC7E4}"/>
+                <a16:creationId xmlns:a16="http://schemas.microsoft.com/office/drawing/2014/main" xmlns="" id="{18C230D1-092B-D94A-B538-C9AFB9DFC7E4}"/>
               </a:ext>
             </a:extLst>
           </p:cNvPr>
@@ -3891,7 +4239,7 @@
           <p:cNvPr id="17" name="Rectangle 16">
             <a:extLst>
               <a:ext uri="{FF2B5EF4-FFF2-40B4-BE49-F238E27FC236}">
-                <a16:creationId xmlns:a16="http://schemas.microsoft.com/office/drawing/2014/main" id="{65DEAA89-F9F7-954E-A10E-78E0B2243A85}"/>
+                <a16:creationId xmlns:a16="http://schemas.microsoft.com/office/drawing/2014/main" xmlns="" id="{65DEAA89-F9F7-954E-A10E-78E0B2243A85}"/>
               </a:ext>
             </a:extLst>
           </p:cNvPr>
@@ -3951,7 +4299,7 @@
           <p:cNvPr id="18" name="Rectangle 17">
             <a:extLst>
               <a:ext uri="{FF2B5EF4-FFF2-40B4-BE49-F238E27FC236}">
-                <a16:creationId xmlns:a16="http://schemas.microsoft.com/office/drawing/2014/main" id="{A828AC54-4360-E242-B6F0-B5AD10D9F387}"/>
+                <a16:creationId xmlns:a16="http://schemas.microsoft.com/office/drawing/2014/main" xmlns="" id="{A828AC54-4360-E242-B6F0-B5AD10D9F387}"/>
               </a:ext>
             </a:extLst>
           </p:cNvPr>
@@ -4006,7 +4354,7 @@
           <p:cNvPr id="20" name="Straight Arrow Connector 19">
             <a:extLst>
               <a:ext uri="{FF2B5EF4-FFF2-40B4-BE49-F238E27FC236}">
-                <a16:creationId xmlns:a16="http://schemas.microsoft.com/office/drawing/2014/main" id="{7B3E0E5E-16C5-E34A-8C88-FA274498DFC1}"/>
+                <a16:creationId xmlns:a16="http://schemas.microsoft.com/office/drawing/2014/main" xmlns="" id="{7B3E0E5E-16C5-E34A-8C88-FA274498DFC1}"/>
               </a:ext>
             </a:extLst>
           </p:cNvPr>
@@ -4050,7 +4398,7 @@
           <p:cNvPr id="21" name="Rectangle 20">
             <a:extLst>
               <a:ext uri="{FF2B5EF4-FFF2-40B4-BE49-F238E27FC236}">
-                <a16:creationId xmlns:a16="http://schemas.microsoft.com/office/drawing/2014/main" id="{2B83FD06-A558-FB40-A53F-FA44CDFFBBEA}"/>
+                <a16:creationId xmlns:a16="http://schemas.microsoft.com/office/drawing/2014/main" xmlns="" id="{2B83FD06-A558-FB40-A53F-FA44CDFFBBEA}"/>
               </a:ext>
             </a:extLst>
           </p:cNvPr>
@@ -4085,7 +4433,7 @@
           <p:cNvPr id="23" name="Straight Arrow Connector 22">
             <a:extLst>
               <a:ext uri="{FF2B5EF4-FFF2-40B4-BE49-F238E27FC236}">
-                <a16:creationId xmlns:a16="http://schemas.microsoft.com/office/drawing/2014/main" id="{3F81FF50-FE1C-604E-BF76-9CA6269B03E7}"/>
+                <a16:creationId xmlns:a16="http://schemas.microsoft.com/office/drawing/2014/main" xmlns="" id="{3F81FF50-FE1C-604E-BF76-9CA6269B03E7}"/>
               </a:ext>
             </a:extLst>
           </p:cNvPr>
@@ -4129,7 +4477,7 @@
           <p:cNvPr id="26" name="Rectangle 25">
             <a:extLst>
               <a:ext uri="{FF2B5EF4-FFF2-40B4-BE49-F238E27FC236}">
-                <a16:creationId xmlns:a16="http://schemas.microsoft.com/office/drawing/2014/main" id="{326B8D79-1941-BB40-A49F-20DA8DA35DA2}"/>
+                <a16:creationId xmlns:a16="http://schemas.microsoft.com/office/drawing/2014/main" xmlns="" id="{326B8D79-1941-BB40-A49F-20DA8DA35DA2}"/>
               </a:ext>
             </a:extLst>
           </p:cNvPr>
@@ -4190,7 +4538,7 @@
           <p:cNvPr id="27" name="Straight Arrow Connector 26">
             <a:extLst>
               <a:ext uri="{FF2B5EF4-FFF2-40B4-BE49-F238E27FC236}">
-                <a16:creationId xmlns:a16="http://schemas.microsoft.com/office/drawing/2014/main" id="{AB1C77BF-754D-9447-9AA6-4510F2972745}"/>
+                <a16:creationId xmlns:a16="http://schemas.microsoft.com/office/drawing/2014/main" xmlns="" id="{AB1C77BF-754D-9447-9AA6-4510F2972745}"/>
               </a:ext>
             </a:extLst>
           </p:cNvPr>
@@ -4234,7 +4582,7 @@
           <p:cNvPr id="28" name="Straight Arrow Connector 27">
             <a:extLst>
               <a:ext uri="{FF2B5EF4-FFF2-40B4-BE49-F238E27FC236}">
-                <a16:creationId xmlns:a16="http://schemas.microsoft.com/office/drawing/2014/main" id="{8CFA88B9-07BE-7042-800C-A67CDAE909E2}"/>
+                <a16:creationId xmlns:a16="http://schemas.microsoft.com/office/drawing/2014/main" xmlns="" id="{8CFA88B9-07BE-7042-800C-A67CDAE909E2}"/>
               </a:ext>
             </a:extLst>
           </p:cNvPr>
@@ -4278,7 +4626,7 @@
           <p:cNvPr id="29" name="Rectangle 28">
             <a:extLst>
               <a:ext uri="{FF2B5EF4-FFF2-40B4-BE49-F238E27FC236}">
-                <a16:creationId xmlns:a16="http://schemas.microsoft.com/office/drawing/2014/main" id="{32DBAE18-AB2E-C840-A4E4-C19C661CD3FB}"/>
+                <a16:creationId xmlns:a16="http://schemas.microsoft.com/office/drawing/2014/main" xmlns="" id="{32DBAE18-AB2E-C840-A4E4-C19C661CD3FB}"/>
               </a:ext>
             </a:extLst>
           </p:cNvPr>
@@ -4327,7 +4675,7 @@
           <p:cNvPr id="30" name="Rectangle 29">
             <a:extLst>
               <a:ext uri="{FF2B5EF4-FFF2-40B4-BE49-F238E27FC236}">
-                <a16:creationId xmlns:a16="http://schemas.microsoft.com/office/drawing/2014/main" id="{6875D031-9EAA-0B4F-8298-D6729C8FFC16}"/>
+                <a16:creationId xmlns:a16="http://schemas.microsoft.com/office/drawing/2014/main" xmlns="" id="{6875D031-9EAA-0B4F-8298-D6729C8FFC16}"/>
               </a:ext>
             </a:extLst>
           </p:cNvPr>
@@ -4387,7 +4735,7 @@
           <p:cNvPr id="24" name="Straight Arrow Connector 23">
             <a:extLst>
               <a:ext uri="{FF2B5EF4-FFF2-40B4-BE49-F238E27FC236}">
-                <a16:creationId xmlns:a16="http://schemas.microsoft.com/office/drawing/2014/main" id="{7B3E0E5E-16C5-E34A-8C88-FA274498DFC1}"/>
+                <a16:creationId xmlns:a16="http://schemas.microsoft.com/office/drawing/2014/main" xmlns="" id="{7B3E0E5E-16C5-E34A-8C88-FA274498DFC1}"/>
               </a:ext>
             </a:extLst>
           </p:cNvPr>
@@ -4545,7 +4893,7 @@
           <p:cNvPr id="37" name="Rectangle 36">
             <a:extLst>
               <a:ext uri="{FF2B5EF4-FFF2-40B4-BE49-F238E27FC236}">
-                <a16:creationId xmlns:a16="http://schemas.microsoft.com/office/drawing/2014/main" id="{6875D031-9EAA-0B4F-8298-D6729C8FFC16}"/>
+                <a16:creationId xmlns:a16="http://schemas.microsoft.com/office/drawing/2014/main" xmlns="" id="{6875D031-9EAA-0B4F-8298-D6729C8FFC16}"/>
               </a:ext>
             </a:extLst>
           </p:cNvPr>
@@ -4575,11 +4923,7 @@
           <a:p>
             <a:r>
               <a:rPr lang="en-US" b="1" dirty="0" smtClean="0"/>
-              <a:t>and </a:t>
-            </a:r>
-            <a:r>
-              <a:rPr lang="en-US" b="1" dirty="0" smtClean="0"/>
-              <a:t>Thermal Emission</a:t>
+              <a:t>and Thermal Emission</a:t>
             </a:r>
             <a:endParaRPr lang="en-US" dirty="0"/>
           </a:p>
@@ -4708,7 +5052,7 @@
           <p:cNvPr id="53" name="Arc 52">
             <a:extLst>
               <a:ext uri="{FF2B5EF4-FFF2-40B4-BE49-F238E27FC236}">
-                <a16:creationId xmlns:a16="http://schemas.microsoft.com/office/drawing/2014/main" id="{E2988CBC-885E-CE41-B6B2-3329F9C99CE2}"/>
+                <a16:creationId xmlns:a16="http://schemas.microsoft.com/office/drawing/2014/main" xmlns="" id="{E2988CBC-885E-CE41-B6B2-3329F9C99CE2}"/>
               </a:ext>
             </a:extLst>
           </p:cNvPr>
@@ -4763,7 +5107,7 @@
           <p:cNvPr id="54" name="Straight Arrow Connector 53">
             <a:extLst>
               <a:ext uri="{FF2B5EF4-FFF2-40B4-BE49-F238E27FC236}">
-                <a16:creationId xmlns:a16="http://schemas.microsoft.com/office/drawing/2014/main" id="{7B3E0E5E-16C5-E34A-8C88-FA274498DFC1}"/>
+                <a16:creationId xmlns:a16="http://schemas.microsoft.com/office/drawing/2014/main" xmlns="" id="{7B3E0E5E-16C5-E34A-8C88-FA274498DFC1}"/>
               </a:ext>
             </a:extLst>
           </p:cNvPr>
@@ -4808,6 +5152,1105 @@
     <p:extLst>
       <p:ext uri="{BB962C8B-B14F-4D97-AF65-F5344CB8AC3E}">
         <p14:creationId xmlns:p14="http://schemas.microsoft.com/office/powerpoint/2010/main" val="285332699"/>
+      </p:ext>
+    </p:extLst>
+  </p:cSld>
+  <p:clrMapOvr>
+    <a:masterClrMapping/>
+  </p:clrMapOvr>
+</p:sld>
+</file>
+
+<file path=ppt/slides/slide2.xml><?xml version="1.0" encoding="utf-8"?>
+<p:sld xmlns:a="http://schemas.openxmlformats.org/drawingml/2006/main" xmlns:r="http://schemas.openxmlformats.org/officeDocument/2006/relationships" xmlns:p="http://schemas.openxmlformats.org/presentationml/2006/main">
+  <p:cSld>
+    <p:spTree>
+      <p:nvGrpSpPr>
+        <p:cNvPr id="1" name=""/>
+        <p:cNvGrpSpPr/>
+        <p:nvPr/>
+      </p:nvGrpSpPr>
+      <p:grpSpPr>
+        <a:xfrm>
+          <a:off x="0" y="0"/>
+          <a:ext cx="0" cy="0"/>
+          <a:chOff x="0" y="0"/>
+          <a:chExt cx="0" cy="0"/>
+        </a:xfrm>
+      </p:grpSpPr>
+      <p:sp>
+        <p:nvSpPr>
+          <p:cNvPr id="2" name="Title 1"/>
+          <p:cNvSpPr>
+            <a:spLocks noGrp="1"/>
+          </p:cNvSpPr>
+          <p:nvPr>
+            <p:ph type="title"/>
+          </p:nvPr>
+        </p:nvSpPr>
+        <p:spPr/>
+        <p:txBody>
+          <a:bodyPr/>
+          <a:lstStyle/>
+          <a:p>
+            <a:endParaRPr lang="en-US"/>
+          </a:p>
+        </p:txBody>
+      </p:sp>
+      <p:pic>
+        <p:nvPicPr>
+          <p:cNvPr id="4" name="Content Placeholder 3"/>
+          <p:cNvPicPr>
+            <a:picLocks noGrp="1" noChangeAspect="1"/>
+          </p:cNvPicPr>
+          <p:nvPr>
+            <p:ph idx="1"/>
+          </p:nvPr>
+        </p:nvPicPr>
+        <p:blipFill>
+          <a:blip r:embed="rId2">
+            <a:extLst>
+              <a:ext uri="{28A0092B-C50C-407E-A947-70E740481C1C}">
+                <a14:useLocalDpi xmlns:a14="http://schemas.microsoft.com/office/drawing/2010/main" val="0"/>
+              </a:ext>
+            </a:extLst>
+          </a:blip>
+          <a:stretch>
+            <a:fillRect/>
+          </a:stretch>
+        </p:blipFill>
+        <p:spPr>
+          <a:xfrm>
+            <a:off x="423388" y="2043530"/>
+            <a:ext cx="5801784" cy="4351338"/>
+          </a:xfrm>
+        </p:spPr>
+      </p:pic>
+      <p:pic>
+        <p:nvPicPr>
+          <p:cNvPr id="5" name="Content Placeholder 3"/>
+          <p:cNvPicPr>
+            <a:picLocks noChangeAspect="1"/>
+          </p:cNvPicPr>
+          <p:nvPr/>
+        </p:nvPicPr>
+        <p:blipFill>
+          <a:blip r:embed="rId3">
+            <a:extLst>
+              <a:ext uri="{28A0092B-C50C-407E-A947-70E740481C1C}">
+                <a14:useLocalDpi xmlns:a14="http://schemas.microsoft.com/office/drawing/2010/main" val="0"/>
+              </a:ext>
+            </a:extLst>
+          </a:blip>
+          <a:stretch>
+            <a:fillRect/>
+          </a:stretch>
+        </p:blipFill>
+        <p:spPr>
+          <a:xfrm>
+            <a:off x="5842055" y="2043530"/>
+            <a:ext cx="5801784" cy="4351338"/>
+          </a:xfrm>
+          <a:prstGeom prst="rect">
+            <a:avLst/>
+          </a:prstGeom>
+        </p:spPr>
+      </p:pic>
+    </p:spTree>
+    <p:extLst>
+      <p:ext uri="{BB962C8B-B14F-4D97-AF65-F5344CB8AC3E}">
+        <p14:creationId xmlns:p14="http://schemas.microsoft.com/office/powerpoint/2010/main" val="1841988721"/>
+      </p:ext>
+    </p:extLst>
+  </p:cSld>
+  <p:clrMapOvr>
+    <a:masterClrMapping/>
+  </p:clrMapOvr>
+</p:sld>
+</file>
+
+<file path=ppt/slides/slide3.xml><?xml version="1.0" encoding="utf-8"?>
+<p:sld xmlns:a="http://schemas.openxmlformats.org/drawingml/2006/main" xmlns:r="http://schemas.openxmlformats.org/officeDocument/2006/relationships" xmlns:p="http://schemas.openxmlformats.org/presentationml/2006/main">
+  <p:cSld>
+    <p:spTree>
+      <p:nvGrpSpPr>
+        <p:cNvPr id="1" name=""/>
+        <p:cNvGrpSpPr/>
+        <p:nvPr/>
+      </p:nvGrpSpPr>
+      <p:grpSpPr>
+        <a:xfrm>
+          <a:off x="0" y="0"/>
+          <a:ext cx="0" cy="0"/>
+          <a:chOff x="0" y="0"/>
+          <a:chExt cx="0" cy="0"/>
+        </a:xfrm>
+      </p:grpSpPr>
+      <p:pic>
+        <p:nvPicPr>
+          <p:cNvPr id="5" name="Content Placeholder 3"/>
+          <p:cNvPicPr>
+            <a:picLocks noChangeAspect="1"/>
+          </p:cNvPicPr>
+          <p:nvPr/>
+        </p:nvPicPr>
+        <p:blipFill>
+          <a:blip r:embed="rId2">
+            <a:extLst>
+              <a:ext uri="{28A0092B-C50C-407E-A947-70E740481C1C}">
+                <a14:useLocalDpi xmlns:a14="http://schemas.microsoft.com/office/drawing/2010/main" val="0"/>
+              </a:ext>
+            </a:extLst>
+          </a:blip>
+          <a:stretch>
+            <a:fillRect/>
+          </a:stretch>
+        </p:blipFill>
+        <p:spPr>
+          <a:xfrm>
+            <a:off x="7691918" y="2271446"/>
+            <a:ext cx="4832956" cy="3624717"/>
+          </a:xfrm>
+          <a:prstGeom prst="rect">
+            <a:avLst/>
+          </a:prstGeom>
+        </p:spPr>
+      </p:pic>
+      <p:pic>
+        <p:nvPicPr>
+          <p:cNvPr id="4" name="Content Placeholder 3"/>
+          <p:cNvPicPr>
+            <a:picLocks noGrp="1" noChangeAspect="1"/>
+          </p:cNvPicPr>
+          <p:nvPr>
+            <p:ph idx="1"/>
+          </p:nvPr>
+        </p:nvPicPr>
+        <p:blipFill>
+          <a:blip r:embed="rId3">
+            <a:extLst>
+              <a:ext uri="{28A0092B-C50C-407E-A947-70E740481C1C}">
+                <a14:useLocalDpi xmlns:a14="http://schemas.microsoft.com/office/drawing/2010/main" val="0"/>
+              </a:ext>
+            </a:extLst>
+          </a:blip>
+          <a:stretch>
+            <a:fillRect/>
+          </a:stretch>
+        </p:blipFill>
+        <p:spPr>
+          <a:xfrm>
+            <a:off x="3523345" y="2283116"/>
+            <a:ext cx="4747893" cy="3560920"/>
+          </a:xfrm>
+        </p:spPr>
+      </p:pic>
+      <p:sp>
+        <p:nvSpPr>
+          <p:cNvPr id="3" name="TextBox 2"/>
+          <p:cNvSpPr txBox="1"/>
+          <p:nvPr/>
+        </p:nvSpPr>
+        <p:spPr>
+          <a:xfrm rot="16200000">
+            <a:off x="-80215" y="4548063"/>
+            <a:ext cx="1828800" cy="338554"/>
+          </a:xfrm>
+          <a:prstGeom prst="rect">
+            <a:avLst/>
+          </a:prstGeom>
+          <a:noFill/>
+        </p:spPr>
+        <p:txBody>
+          <a:bodyPr wrap="square" rtlCol="0">
+            <a:spAutoFit/>
+          </a:bodyPr>
+          <a:lstStyle/>
+          <a:p>
+            <a:r>
+              <a:rPr lang="en-US" sz="1600" smtClean="0"/>
+              <a:t>Arbitrary Units</a:t>
+            </a:r>
+            <a:endParaRPr lang="en-US" sz="1600" dirty="0"/>
+          </a:p>
+        </p:txBody>
+      </p:sp>
+      <p:grpSp>
+        <p:nvGrpSpPr>
+          <p:cNvPr id="6" name="Group 5"/>
+          <p:cNvGrpSpPr/>
+          <p:nvPr/>
+        </p:nvGrpSpPr>
+        <p:grpSpPr>
+          <a:xfrm rot="10800000">
+            <a:off x="121990" y="2271446"/>
+            <a:ext cx="3616981" cy="3840596"/>
+            <a:chOff x="5704229" y="2308005"/>
+            <a:chExt cx="2758000" cy="3239620"/>
+          </a:xfrm>
+        </p:grpSpPr>
+        <p:sp>
+          <p:nvSpPr>
+            <p:cNvPr id="7" name="Cube 6"/>
+            <p:cNvSpPr/>
+            <p:nvPr/>
+          </p:nvSpPr>
+          <p:spPr>
+            <a:xfrm>
+              <a:off x="5704229" y="4444108"/>
+              <a:ext cx="2758000" cy="1103517"/>
+            </a:xfrm>
+            <a:prstGeom prst="cube">
+              <a:avLst>
+                <a:gd name="adj" fmla="val 23494"/>
+              </a:avLst>
+            </a:prstGeom>
+            <a:solidFill>
+              <a:schemeClr val="bg1">
+                <a:lumMod val="65000"/>
+                <a:alpha val="71000"/>
+              </a:schemeClr>
+            </a:solidFill>
+            <a:ln>
+              <a:solidFill>
+                <a:schemeClr val="tx1"/>
+              </a:solidFill>
+            </a:ln>
+          </p:spPr>
+          <p:style>
+            <a:lnRef idx="2">
+              <a:schemeClr val="accent1">
+                <a:shade val="50000"/>
+              </a:schemeClr>
+            </a:lnRef>
+            <a:fillRef idx="1">
+              <a:schemeClr val="accent1"/>
+            </a:fillRef>
+            <a:effectRef idx="0">
+              <a:schemeClr val="accent1"/>
+            </a:effectRef>
+            <a:fontRef idx="minor">
+              <a:schemeClr val="lt1"/>
+            </a:fontRef>
+          </p:style>
+          <p:txBody>
+            <a:bodyPr rtlCol="0" anchor="ctr"/>
+            <a:lstStyle/>
+            <a:p>
+              <a:pPr algn="ctr"/>
+              <a:endParaRPr lang="en-US"/>
+            </a:p>
+          </p:txBody>
+        </p:sp>
+        <p:sp>
+          <p:nvSpPr>
+            <p:cNvPr id="8" name="Cube 7"/>
+            <p:cNvSpPr/>
+            <p:nvPr/>
+          </p:nvSpPr>
+          <p:spPr>
+            <a:xfrm>
+              <a:off x="5704229" y="3985520"/>
+              <a:ext cx="2758000" cy="721435"/>
+            </a:xfrm>
+            <a:prstGeom prst="cube">
+              <a:avLst>
+                <a:gd name="adj" fmla="val 36729"/>
+              </a:avLst>
+            </a:prstGeom>
+            <a:solidFill>
+              <a:schemeClr val="accent2">
+                <a:lumMod val="60000"/>
+                <a:lumOff val="40000"/>
+                <a:alpha val="71000"/>
+              </a:schemeClr>
+            </a:solidFill>
+            <a:ln>
+              <a:solidFill>
+                <a:schemeClr val="tx1"/>
+              </a:solidFill>
+            </a:ln>
+          </p:spPr>
+          <p:style>
+            <a:lnRef idx="2">
+              <a:schemeClr val="accent1">
+                <a:shade val="50000"/>
+              </a:schemeClr>
+            </a:lnRef>
+            <a:fillRef idx="1">
+              <a:schemeClr val="accent1"/>
+            </a:fillRef>
+            <a:effectRef idx="0">
+              <a:schemeClr val="accent1"/>
+            </a:effectRef>
+            <a:fontRef idx="minor">
+              <a:schemeClr val="lt1"/>
+            </a:fontRef>
+          </p:style>
+          <p:txBody>
+            <a:bodyPr rtlCol="0" anchor="ctr"/>
+            <a:lstStyle/>
+            <a:p>
+              <a:pPr algn="ctr"/>
+              <a:endParaRPr lang="en-US" sz="2000" b="1" dirty="0">
+                <a:solidFill>
+                  <a:schemeClr val="tx1"/>
+                </a:solidFill>
+              </a:endParaRPr>
+            </a:p>
+          </p:txBody>
+        </p:sp>
+        <p:sp>
+          <p:nvSpPr>
+            <p:cNvPr id="9" name="Cube 8"/>
+            <p:cNvSpPr/>
+            <p:nvPr/>
+          </p:nvSpPr>
+          <p:spPr>
+            <a:xfrm>
+              <a:off x="5704229" y="3537071"/>
+              <a:ext cx="2758000" cy="728595"/>
+            </a:xfrm>
+            <a:prstGeom prst="cube">
+              <a:avLst>
+                <a:gd name="adj" fmla="val 36729"/>
+              </a:avLst>
+            </a:prstGeom>
+            <a:solidFill>
+              <a:srgbClr val="00B0F0">
+                <a:alpha val="71000"/>
+              </a:srgbClr>
+            </a:solidFill>
+            <a:ln>
+              <a:solidFill>
+                <a:schemeClr val="tx1"/>
+              </a:solidFill>
+            </a:ln>
+          </p:spPr>
+          <p:style>
+            <a:lnRef idx="2">
+              <a:schemeClr val="accent1">
+                <a:shade val="50000"/>
+              </a:schemeClr>
+            </a:lnRef>
+            <a:fillRef idx="1">
+              <a:schemeClr val="accent1"/>
+            </a:fillRef>
+            <a:effectRef idx="0">
+              <a:schemeClr val="accent1"/>
+            </a:effectRef>
+            <a:fontRef idx="minor">
+              <a:schemeClr val="lt1"/>
+            </a:fontRef>
+          </p:style>
+          <p:txBody>
+            <a:bodyPr rtlCol="0" anchor="ctr"/>
+            <a:lstStyle/>
+            <a:p>
+              <a:pPr algn="ctr"/>
+              <a:endParaRPr lang="en-US" sz="2000" b="1" dirty="0"/>
+            </a:p>
+          </p:txBody>
+        </p:sp>
+        <p:sp>
+          <p:nvSpPr>
+            <p:cNvPr id="10" name="Cube 9"/>
+            <p:cNvSpPr/>
+            <p:nvPr/>
+          </p:nvSpPr>
+          <p:spPr>
+            <a:xfrm>
+              <a:off x="5704229" y="3073911"/>
+              <a:ext cx="2758000" cy="728595"/>
+            </a:xfrm>
+            <a:prstGeom prst="cube">
+              <a:avLst>
+                <a:gd name="adj" fmla="val 36729"/>
+              </a:avLst>
+            </a:prstGeom>
+            <a:solidFill>
+              <a:srgbClr val="9437FF">
+                <a:alpha val="64000"/>
+              </a:srgbClr>
+            </a:solidFill>
+            <a:ln>
+              <a:solidFill>
+                <a:schemeClr val="tx1"/>
+              </a:solidFill>
+            </a:ln>
+          </p:spPr>
+          <p:style>
+            <a:lnRef idx="2">
+              <a:schemeClr val="accent1">
+                <a:shade val="50000"/>
+              </a:schemeClr>
+            </a:lnRef>
+            <a:fillRef idx="1">
+              <a:schemeClr val="accent1"/>
+            </a:fillRef>
+            <a:effectRef idx="0">
+              <a:schemeClr val="accent1"/>
+            </a:effectRef>
+            <a:fontRef idx="minor">
+              <a:schemeClr val="lt1"/>
+            </a:fontRef>
+          </p:style>
+          <p:txBody>
+            <a:bodyPr rtlCol="0" anchor="ctr"/>
+            <a:lstStyle/>
+            <a:p>
+              <a:pPr algn="ctr"/>
+              <a:endParaRPr lang="en-US" sz="2000" b="1" dirty="0"/>
+            </a:p>
+          </p:txBody>
+        </p:sp>
+        <p:sp>
+          <p:nvSpPr>
+            <p:cNvPr id="11" name="Cube 10"/>
+            <p:cNvSpPr/>
+            <p:nvPr/>
+          </p:nvSpPr>
+          <p:spPr>
+            <a:xfrm>
+              <a:off x="5704229" y="2617124"/>
+              <a:ext cx="2758000" cy="728595"/>
+            </a:xfrm>
+            <a:prstGeom prst="cube">
+              <a:avLst>
+                <a:gd name="adj" fmla="val 36729"/>
+              </a:avLst>
+            </a:prstGeom>
+            <a:solidFill>
+              <a:srgbClr val="00B0F0">
+                <a:alpha val="71000"/>
+              </a:srgbClr>
+            </a:solidFill>
+            <a:ln>
+              <a:solidFill>
+                <a:schemeClr val="tx1"/>
+              </a:solidFill>
+            </a:ln>
+          </p:spPr>
+          <p:style>
+            <a:lnRef idx="2">
+              <a:schemeClr val="accent1">
+                <a:shade val="50000"/>
+              </a:schemeClr>
+            </a:lnRef>
+            <a:fillRef idx="1">
+              <a:schemeClr val="accent1"/>
+            </a:fillRef>
+            <a:effectRef idx="0">
+              <a:schemeClr val="accent1"/>
+            </a:effectRef>
+            <a:fontRef idx="minor">
+              <a:schemeClr val="lt1"/>
+            </a:fontRef>
+          </p:style>
+          <p:txBody>
+            <a:bodyPr rtlCol="0" anchor="ctr"/>
+            <a:lstStyle/>
+            <a:p>
+              <a:pPr algn="ctr"/>
+              <a:endParaRPr lang="en-US" sz="2000" b="1" dirty="0"/>
+            </a:p>
+          </p:txBody>
+        </p:sp>
+        <p:sp>
+          <p:nvSpPr>
+            <p:cNvPr id="12" name="Cube 11"/>
+            <p:cNvSpPr/>
+            <p:nvPr/>
+          </p:nvSpPr>
+          <p:spPr>
+            <a:xfrm>
+              <a:off x="5710579" y="2308005"/>
+              <a:ext cx="2751650" cy="582249"/>
+            </a:xfrm>
+            <a:prstGeom prst="cube">
+              <a:avLst>
+                <a:gd name="adj" fmla="val 46316"/>
+              </a:avLst>
+            </a:prstGeom>
+            <a:solidFill>
+              <a:schemeClr val="accent4">
+                <a:lumMod val="40000"/>
+                <a:lumOff val="60000"/>
+                <a:alpha val="82000"/>
+              </a:schemeClr>
+            </a:solidFill>
+            <a:ln>
+              <a:solidFill>
+                <a:schemeClr val="tx1"/>
+              </a:solidFill>
+            </a:ln>
+          </p:spPr>
+          <p:style>
+            <a:lnRef idx="2">
+              <a:schemeClr val="accent1">
+                <a:shade val="50000"/>
+              </a:schemeClr>
+            </a:lnRef>
+            <a:fillRef idx="1">
+              <a:schemeClr val="accent1"/>
+            </a:fillRef>
+            <a:effectRef idx="0">
+              <a:schemeClr val="accent1"/>
+            </a:effectRef>
+            <a:fontRef idx="minor">
+              <a:schemeClr val="lt1"/>
+            </a:fontRef>
+          </p:style>
+          <p:txBody>
+            <a:bodyPr rtlCol="0" anchor="ctr"/>
+            <a:lstStyle/>
+            <a:p>
+              <a:pPr algn="ctr"/>
+              <a:endParaRPr lang="en-US" sz="2000" dirty="0">
+                <a:solidFill>
+                  <a:schemeClr val="tx1"/>
+                </a:solidFill>
+              </a:endParaRPr>
+            </a:p>
+          </p:txBody>
+        </p:sp>
+      </p:grpSp>
+      <p:sp>
+        <p:nvSpPr>
+          <p:cNvPr id="13" name="Rectangle 12"/>
+          <p:cNvSpPr/>
+          <p:nvPr/>
+        </p:nvSpPr>
+        <p:spPr>
+          <a:xfrm>
+            <a:off x="989360" y="3230687"/>
+            <a:ext cx="2246128" cy="584775"/>
+          </a:xfrm>
+          <a:prstGeom prst="rect">
+            <a:avLst/>
+          </a:prstGeom>
+        </p:spPr>
+        <p:txBody>
+          <a:bodyPr wrap="none">
+            <a:spAutoFit/>
+          </a:bodyPr>
+          <a:lstStyle/>
+          <a:p>
+            <a:pPr algn="ctr"/>
+            <a:r>
+              <a:rPr lang="en-US" sz="3200" b="1" dirty="0" smtClean="0"/>
+              <a:t>10 nm Al</a:t>
+            </a:r>
+            <a:r>
+              <a:rPr lang="en-US" sz="3200" b="1" baseline="-25000" dirty="0" smtClean="0"/>
+              <a:t>2</a:t>
+            </a:r>
+            <a:r>
+              <a:rPr lang="en-US" sz="3200" b="1" dirty="0" smtClean="0"/>
+              <a:t>O</a:t>
+            </a:r>
+            <a:r>
+              <a:rPr lang="en-US" sz="3200" b="1" baseline="-25000" dirty="0" smtClean="0"/>
+              <a:t>3</a:t>
+            </a:r>
+            <a:endParaRPr lang="en-US" sz="3200" b="1" dirty="0"/>
+          </a:p>
+        </p:txBody>
+      </p:sp>
+      <p:sp>
+        <p:nvSpPr>
+          <p:cNvPr id="14" name="TextBox 13"/>
+          <p:cNvSpPr txBox="1"/>
+          <p:nvPr/>
+        </p:nvSpPr>
+        <p:spPr>
+          <a:xfrm>
+            <a:off x="512788" y="2447363"/>
+            <a:ext cx="3199274" cy="584775"/>
+          </a:xfrm>
+          <a:prstGeom prst="rect">
+            <a:avLst/>
+          </a:prstGeom>
+          <a:noFill/>
+        </p:spPr>
+        <p:txBody>
+          <a:bodyPr wrap="none" rtlCol="0">
+            <a:spAutoFit/>
+          </a:bodyPr>
+          <a:lstStyle/>
+          <a:p>
+            <a:r>
+              <a:rPr lang="en-US" sz="3200" b="1" dirty="0" smtClean="0"/>
+              <a:t>Optically-thick W </a:t>
+            </a:r>
+            <a:endParaRPr lang="en-US" sz="3200" b="1" dirty="0"/>
+          </a:p>
+        </p:txBody>
+      </p:sp>
+      <p:sp>
+        <p:nvSpPr>
+          <p:cNvPr id="15" name="Rectangle 14"/>
+          <p:cNvSpPr/>
+          <p:nvPr/>
+        </p:nvSpPr>
+        <p:spPr>
+          <a:xfrm>
+            <a:off x="982146" y="3755592"/>
+            <a:ext cx="2260555" cy="584775"/>
+          </a:xfrm>
+          <a:prstGeom prst="rect">
+            <a:avLst/>
+          </a:prstGeom>
+        </p:spPr>
+        <p:txBody>
+          <a:bodyPr wrap="none">
+            <a:spAutoFit/>
+          </a:bodyPr>
+          <a:lstStyle/>
+          <a:p>
+            <a:pPr algn="ctr"/>
+            <a:r>
+              <a:rPr lang="en-US" sz="3200" b="1" dirty="0" smtClean="0"/>
+              <a:t>255 nm SiO</a:t>
+            </a:r>
+            <a:r>
+              <a:rPr lang="en-US" sz="3200" b="1" baseline="-25000" dirty="0"/>
+              <a:t>2</a:t>
+            </a:r>
+            <a:endParaRPr lang="en-US" sz="3200" b="1" dirty="0"/>
+          </a:p>
+        </p:txBody>
+      </p:sp>
+      <p:sp>
+        <p:nvSpPr>
+          <p:cNvPr id="16" name="Rectangle 15"/>
+          <p:cNvSpPr/>
+          <p:nvPr/>
+        </p:nvSpPr>
+        <p:spPr>
+          <a:xfrm>
+            <a:off x="943746" y="4312943"/>
+            <a:ext cx="2270173" cy="584775"/>
+          </a:xfrm>
+          <a:prstGeom prst="rect">
+            <a:avLst/>
+          </a:prstGeom>
+        </p:spPr>
+        <p:txBody>
+          <a:bodyPr wrap="none">
+            <a:spAutoFit/>
+          </a:bodyPr>
+          <a:lstStyle/>
+          <a:p>
+            <a:pPr algn="ctr"/>
+            <a:r>
+              <a:rPr lang="en-US" sz="3200" b="1" dirty="0" smtClean="0"/>
+              <a:t>150 nm TiO</a:t>
+            </a:r>
+            <a:r>
+              <a:rPr lang="en-US" sz="3200" b="1" baseline="-25000" dirty="0" smtClean="0"/>
+              <a:t>2</a:t>
+            </a:r>
+            <a:endParaRPr lang="en-US" sz="3200" b="1" dirty="0"/>
+          </a:p>
+        </p:txBody>
+      </p:sp>
+      <p:sp>
+        <p:nvSpPr>
+          <p:cNvPr id="17" name="Rectangle 16"/>
+          <p:cNvSpPr/>
+          <p:nvPr/>
+        </p:nvSpPr>
+        <p:spPr>
+          <a:xfrm>
+            <a:off x="948554" y="4866519"/>
+            <a:ext cx="2260555" cy="584775"/>
+          </a:xfrm>
+          <a:prstGeom prst="rect">
+            <a:avLst/>
+          </a:prstGeom>
+        </p:spPr>
+        <p:txBody>
+          <a:bodyPr wrap="none">
+            <a:spAutoFit/>
+          </a:bodyPr>
+          <a:lstStyle/>
+          <a:p>
+            <a:pPr algn="ctr"/>
+            <a:r>
+              <a:rPr lang="en-US" sz="3200" b="1" dirty="0" smtClean="0"/>
+              <a:t>255 nm SiO</a:t>
+            </a:r>
+            <a:r>
+              <a:rPr lang="en-US" sz="3200" b="1" baseline="-25000" dirty="0"/>
+              <a:t>2</a:t>
+            </a:r>
+            <a:endParaRPr lang="en-US" sz="3200" b="1" dirty="0"/>
+          </a:p>
+        </p:txBody>
+      </p:sp>
+      <mc:AlternateContent xmlns:mc="http://schemas.openxmlformats.org/markup-compatibility/2006">
+        <mc:Choice xmlns:a14="http://schemas.microsoft.com/office/drawing/2010/main" Requires="a14">
+          <p:sp>
+            <p:nvSpPr>
+              <p:cNvPr id="18" name="Rectangle 17"/>
+              <p:cNvSpPr/>
+              <p:nvPr/>
+            </p:nvSpPr>
+            <p:spPr>
+              <a:xfrm>
+                <a:off x="422007" y="5370888"/>
+                <a:ext cx="3230564" cy="461665"/>
+              </a:xfrm>
+              <a:prstGeom prst="rect">
+                <a:avLst/>
+              </a:prstGeom>
+            </p:spPr>
+            <p:txBody>
+              <a:bodyPr wrap="none">
+                <a:spAutoFit/>
+              </a:bodyPr>
+              <a:lstStyle/>
+              <a:p>
+                <a:pPr algn="ctr"/>
+                <a:r>
+                  <a:rPr lang="en-US" sz="2400" b="1" dirty="0" smtClean="0"/>
+                  <a:t>20 nm Alloy, </a:t>
+                </a:r>
+                <a14:m>
+                  <m:oMath xmlns:m="http://schemas.openxmlformats.org/officeDocument/2006/math">
+                    <m:sSub>
+                      <m:sSubPr>
+                        <m:ctrlPr>
+                          <a:rPr lang="en-US" sz="2400" b="1" i="1" smtClean="0">
+                            <a:latin typeface="Cambria Math" charset="0"/>
+                          </a:rPr>
+                        </m:ctrlPr>
+                      </m:sSubPr>
+                      <m:e>
+                        <m:r>
+                          <a:rPr lang="en-US" sz="2400" b="1" i="1" smtClean="0">
+                            <a:latin typeface="Cambria Math" charset="0"/>
+                          </a:rPr>
+                          <m:t>𝒇</m:t>
+                        </m:r>
+                      </m:e>
+                      <m:sub>
+                        <m:r>
+                          <a:rPr lang="en-US" sz="2400" b="1" i="1" smtClean="0">
+                            <a:latin typeface="Cambria Math" charset="0"/>
+                          </a:rPr>
+                          <m:t>𝒘</m:t>
+                        </m:r>
+                      </m:sub>
+                    </m:sSub>
+                    <m:r>
+                      <a:rPr lang="en-US" sz="2400" b="1" i="1" smtClean="0">
+                        <a:latin typeface="Cambria Math" charset="0"/>
+                      </a:rPr>
+                      <m:t>=</m:t>
+                    </m:r>
+                    <m:r>
+                      <a:rPr lang="en-US" sz="2400" b="1" i="1" smtClean="0">
+                        <a:latin typeface="Cambria Math" charset="0"/>
+                      </a:rPr>
+                      <m:t>𝟕𝟓</m:t>
+                    </m:r>
+                    <m:r>
+                      <a:rPr lang="en-US" sz="2400" b="1" i="1" smtClean="0">
+                        <a:latin typeface="Cambria Math" charset="0"/>
+                      </a:rPr>
+                      <m:t>%</m:t>
+                    </m:r>
+                  </m:oMath>
+                </a14:m>
+                <a:endParaRPr lang="en-US" sz="2400" b="1" dirty="0"/>
+              </a:p>
+            </p:txBody>
+          </p:sp>
+        </mc:Choice>
+        <mc:Fallback>
+          <p:sp>
+            <p:nvSpPr>
+              <p:cNvPr id="18" name="Rectangle 17"/>
+              <p:cNvSpPr>
+                <a:spLocks noRot="1" noChangeAspect="1" noMove="1" noResize="1" noEditPoints="1" noAdjustHandles="1" noChangeArrowheads="1" noChangeShapeType="1" noTextEdit="1"/>
+              </p:cNvSpPr>
+              <p:nvPr/>
+            </p:nvSpPr>
+            <p:spPr>
+              <a:xfrm>
+                <a:off x="422007" y="5370888"/>
+                <a:ext cx="3230564" cy="461665"/>
+              </a:xfrm>
+              <a:prstGeom prst="rect">
+                <a:avLst/>
+              </a:prstGeom>
+              <a:blipFill rotWithShape="0">
+                <a:blip r:embed="rId4"/>
+                <a:stretch>
+                  <a:fillRect l="-2453" t="-10526" b="-28947"/>
+                </a:stretch>
+              </a:blipFill>
+            </p:spPr>
+            <p:txBody>
+              <a:bodyPr/>
+              <a:lstStyle/>
+              <a:p>
+                <a:r>
+                  <a:rPr lang="en-US">
+                    <a:noFill/>
+                  </a:rPr>
+                  <a:t> </a:t>
+                </a:r>
+              </a:p>
+            </p:txBody>
+          </p:sp>
+        </mc:Fallback>
+      </mc:AlternateContent>
+      <p:sp>
+        <p:nvSpPr>
+          <p:cNvPr id="19" name="TextBox 18"/>
+          <p:cNvSpPr txBox="1"/>
+          <p:nvPr/>
+        </p:nvSpPr>
+        <p:spPr>
+          <a:xfrm>
+            <a:off x="452465" y="1793976"/>
+            <a:ext cx="1101993" cy="523220"/>
+          </a:xfrm>
+          <a:prstGeom prst="rect">
+            <a:avLst/>
+          </a:prstGeom>
+          <a:noFill/>
+        </p:spPr>
+        <p:txBody>
+          <a:bodyPr wrap="square" rtlCol="0">
+            <a:spAutoFit/>
+          </a:bodyPr>
+          <a:lstStyle/>
+          <a:p>
+            <a:r>
+              <a:rPr lang="en-US" sz="2800" b="1" smtClean="0"/>
+              <a:t>(a)</a:t>
+            </a:r>
+            <a:endParaRPr lang="en-US" sz="2800" b="1"/>
+          </a:p>
+        </p:txBody>
+      </p:sp>
+      <p:sp>
+        <p:nvSpPr>
+          <p:cNvPr id="20" name="TextBox 19"/>
+          <p:cNvSpPr txBox="1"/>
+          <p:nvPr/>
+        </p:nvSpPr>
+        <p:spPr>
+          <a:xfrm>
+            <a:off x="4069446" y="1748226"/>
+            <a:ext cx="1101993" cy="523220"/>
+          </a:xfrm>
+          <a:prstGeom prst="rect">
+            <a:avLst/>
+          </a:prstGeom>
+          <a:noFill/>
+        </p:spPr>
+        <p:txBody>
+          <a:bodyPr wrap="square" rtlCol="0">
+            <a:spAutoFit/>
+          </a:bodyPr>
+          <a:lstStyle/>
+          <a:p>
+            <a:r>
+              <a:rPr lang="en-US" sz="2800" b="1" dirty="0" smtClean="0"/>
+              <a:t>(b)</a:t>
+            </a:r>
+            <a:endParaRPr lang="en-US" sz="2800" b="1" dirty="0"/>
+          </a:p>
+        </p:txBody>
+      </p:sp>
+      <p:sp>
+        <p:nvSpPr>
+          <p:cNvPr id="21" name="TextBox 20"/>
+          <p:cNvSpPr txBox="1"/>
+          <p:nvPr/>
+        </p:nvSpPr>
+        <p:spPr>
+          <a:xfrm>
+            <a:off x="8271238" y="1793976"/>
+            <a:ext cx="1101993" cy="523220"/>
+          </a:xfrm>
+          <a:prstGeom prst="rect">
+            <a:avLst/>
+          </a:prstGeom>
+          <a:noFill/>
+        </p:spPr>
+        <p:txBody>
+          <a:bodyPr wrap="square" rtlCol="0">
+            <a:spAutoFit/>
+          </a:bodyPr>
+          <a:lstStyle/>
+          <a:p>
+            <a:r>
+              <a:rPr lang="en-US" sz="2800" b="1" dirty="0" smtClean="0"/>
+              <a:t>(c)</a:t>
+            </a:r>
+            <a:endParaRPr lang="en-US" sz="2800" b="1" dirty="0"/>
+          </a:p>
+        </p:txBody>
+      </p:sp>
+    </p:spTree>
+    <p:extLst>
+      <p:ext uri="{BB962C8B-B14F-4D97-AF65-F5344CB8AC3E}">
+        <p14:creationId xmlns:p14="http://schemas.microsoft.com/office/powerpoint/2010/main" val="1922909581"/>
+      </p:ext>
+    </p:extLst>
+  </p:cSld>
+  <p:clrMapOvr>
+    <a:masterClrMapping/>
+  </p:clrMapOvr>
+</p:sld>
+</file>
+
+<file path=ppt/slides/slide4.xml><?xml version="1.0" encoding="utf-8"?>
+<p:sld xmlns:a="http://schemas.openxmlformats.org/drawingml/2006/main" xmlns:r="http://schemas.openxmlformats.org/officeDocument/2006/relationships" xmlns:p="http://schemas.openxmlformats.org/presentationml/2006/main">
+  <p:cSld>
+    <p:spTree>
+      <p:nvGrpSpPr>
+        <p:cNvPr id="1" name=""/>
+        <p:cNvGrpSpPr/>
+        <p:nvPr/>
+      </p:nvGrpSpPr>
+      <p:grpSpPr>
+        <a:xfrm>
+          <a:off x="0" y="0"/>
+          <a:ext cx="0" cy="0"/>
+          <a:chOff x="0" y="0"/>
+          <a:chExt cx="0" cy="0"/>
+        </a:xfrm>
+      </p:grpSpPr>
+      <p:pic>
+        <p:nvPicPr>
+          <p:cNvPr id="25" name="Content Placeholder 3"/>
+          <p:cNvPicPr>
+            <a:picLocks noChangeAspect="1"/>
+          </p:cNvPicPr>
+          <p:nvPr/>
+        </p:nvPicPr>
+        <p:blipFill>
+          <a:blip r:embed="rId2">
+            <a:extLst>
+              <a:ext uri="{28A0092B-C50C-407E-A947-70E740481C1C}">
+                <a14:useLocalDpi xmlns:a14="http://schemas.microsoft.com/office/drawing/2010/main" val="0"/>
+              </a:ext>
+            </a:extLst>
+          </a:blip>
+          <a:stretch>
+            <a:fillRect/>
+          </a:stretch>
+        </p:blipFill>
+        <p:spPr>
+          <a:xfrm>
+            <a:off x="5686655" y="1950604"/>
+            <a:ext cx="4832956" cy="3624717"/>
+          </a:xfrm>
+          <a:prstGeom prst="rect">
+            <a:avLst/>
+          </a:prstGeom>
+        </p:spPr>
+      </p:pic>
+      <p:pic>
+        <p:nvPicPr>
+          <p:cNvPr id="26" name="Content Placeholder 3"/>
+          <p:cNvPicPr>
+            <a:picLocks noGrp="1" noChangeAspect="1"/>
+          </p:cNvPicPr>
+          <p:nvPr>
+            <p:ph idx="1"/>
+          </p:nvPr>
+        </p:nvPicPr>
+        <p:blipFill>
+          <a:blip r:embed="rId3">
+            <a:extLst>
+              <a:ext uri="{28A0092B-C50C-407E-A947-70E740481C1C}">
+                <a14:useLocalDpi xmlns:a14="http://schemas.microsoft.com/office/drawing/2010/main" val="0"/>
+              </a:ext>
+            </a:extLst>
+          </a:blip>
+          <a:stretch>
+            <a:fillRect/>
+          </a:stretch>
+        </p:blipFill>
+        <p:spPr>
+          <a:xfrm>
+            <a:off x="1518082" y="1962274"/>
+            <a:ext cx="4747893" cy="3560919"/>
+          </a:xfrm>
+        </p:spPr>
+      </p:pic>
+      <p:sp>
+        <p:nvSpPr>
+          <p:cNvPr id="27" name="TextBox 26"/>
+          <p:cNvSpPr txBox="1"/>
+          <p:nvPr/>
+        </p:nvSpPr>
+        <p:spPr>
+          <a:xfrm>
+            <a:off x="3051372" y="2405953"/>
+            <a:ext cx="1101993" cy="523220"/>
+          </a:xfrm>
+          <a:prstGeom prst="rect">
+            <a:avLst/>
+          </a:prstGeom>
+          <a:noFill/>
+        </p:spPr>
+        <p:txBody>
+          <a:bodyPr wrap="square" rtlCol="0">
+            <a:spAutoFit/>
+          </a:bodyPr>
+          <a:lstStyle/>
+          <a:p>
+            <a:r>
+              <a:rPr lang="en-US" sz="2800" b="1" dirty="0" smtClean="0"/>
+              <a:t>(a)</a:t>
+            </a:r>
+            <a:endParaRPr lang="en-US" sz="2800" b="1" dirty="0"/>
+          </a:p>
+        </p:txBody>
+      </p:sp>
+      <p:sp>
+        <p:nvSpPr>
+          <p:cNvPr id="28" name="TextBox 27"/>
+          <p:cNvSpPr txBox="1"/>
+          <p:nvPr/>
+        </p:nvSpPr>
+        <p:spPr>
+          <a:xfrm>
+            <a:off x="6282017" y="2389911"/>
+            <a:ext cx="1101993" cy="523220"/>
+          </a:xfrm>
+          <a:prstGeom prst="rect">
+            <a:avLst/>
+          </a:prstGeom>
+          <a:noFill/>
+        </p:spPr>
+        <p:txBody>
+          <a:bodyPr wrap="square" rtlCol="0">
+            <a:spAutoFit/>
+          </a:bodyPr>
+          <a:lstStyle/>
+          <a:p>
+            <a:r>
+              <a:rPr lang="en-US" sz="2800" b="1" dirty="0" smtClean="0"/>
+              <a:t>(b)</a:t>
+            </a:r>
+            <a:endParaRPr lang="en-US" sz="2800" b="1" dirty="0"/>
+          </a:p>
+        </p:txBody>
+      </p:sp>
+    </p:spTree>
+    <p:extLst>
+      <p:ext uri="{BB962C8B-B14F-4D97-AF65-F5344CB8AC3E}">
+        <p14:creationId xmlns:p14="http://schemas.microsoft.com/office/powerpoint/2010/main" val="378200075"/>
       </p:ext>
     </p:extLst>
   </p:cSld>
@@ -5110,4 +6553,265 @@
     </a:ext>
   </a:extLst>
 </a:theme>
+</file>
+
+<file path=ppt/theme/theme2.xml><?xml version="1.0" encoding="utf-8"?>
+<a:theme xmlns:a="http://schemas.openxmlformats.org/drawingml/2006/main" name="Office Theme">
+  <a:themeElements>
+    <a:clrScheme name="Office">
+      <a:dk1>
+        <a:sysClr val="windowText" lastClr="000000"/>
+      </a:dk1>
+      <a:lt1>
+        <a:sysClr val="window" lastClr="FFFFFF"/>
+      </a:lt1>
+      <a:dk2>
+        <a:srgbClr val="44546A"/>
+      </a:dk2>
+      <a:lt2>
+        <a:srgbClr val="E7E6E6"/>
+      </a:lt2>
+      <a:accent1>
+        <a:srgbClr val="4472C4"/>
+      </a:accent1>
+      <a:accent2>
+        <a:srgbClr val="ED7D31"/>
+      </a:accent2>
+      <a:accent3>
+        <a:srgbClr val="A5A5A5"/>
+      </a:accent3>
+      <a:accent4>
+        <a:srgbClr val="FFC000"/>
+      </a:accent4>
+      <a:accent5>
+        <a:srgbClr val="5B9BD5"/>
+      </a:accent5>
+      <a:accent6>
+        <a:srgbClr val="70AD47"/>
+      </a:accent6>
+      <a:hlink>
+        <a:srgbClr val="0563C1"/>
+      </a:hlink>
+      <a:folHlink>
+        <a:srgbClr val="954F72"/>
+      </a:folHlink>
+    </a:clrScheme>
+    <a:fontScheme name="Office">
+      <a:majorFont>
+        <a:latin typeface="Calibri Light" panose="020F0302020204030204"/>
+        <a:ea typeface=""/>
+        <a:cs typeface=""/>
+        <a:font script="Jpan" typeface="Yu Gothic Light"/>
+        <a:font script="Hang" typeface="맑은 고딕"/>
+        <a:font script="Hans" typeface="DengXian Light"/>
+        <a:font script="Hant" typeface="新細明體"/>
+        <a:font script="Arab" typeface="Times New Roman"/>
+        <a:font script="Hebr" typeface="Times New Roman"/>
+        <a:font script="Thai" typeface="Angsana New"/>
+        <a:font script="Ethi" typeface="Nyala"/>
+        <a:font script="Beng" typeface="Vrinda"/>
+        <a:font script="Gujr" typeface="Shruti"/>
+        <a:font script="Khmr" typeface="MoolBoran"/>
+        <a:font script="Knda" typeface="Tunga"/>
+        <a:font script="Guru" typeface="Raavi"/>
+        <a:font script="Cans" typeface="Euphemia"/>
+        <a:font script="Cher" typeface="Plantagenet Cherokee"/>
+        <a:font script="Yiii" typeface="Microsoft Yi Baiti"/>
+        <a:font script="Tibt" typeface="Microsoft Himalaya"/>
+        <a:font script="Thaa" typeface="MV Boli"/>
+        <a:font script="Deva" typeface="Mangal"/>
+        <a:font script="Telu" typeface="Gautami"/>
+        <a:font script="Taml" typeface="Latha"/>
+        <a:font script="Syrc" typeface="Estrangelo Edessa"/>
+        <a:font script="Orya" typeface="Kalinga"/>
+        <a:font script="Mlym" typeface="Kartika"/>
+        <a:font script="Laoo" typeface="DokChampa"/>
+        <a:font script="Sinh" typeface="Iskoola Pota"/>
+        <a:font script="Mong" typeface="Mongolian Baiti"/>
+        <a:font script="Viet" typeface="Times New Roman"/>
+        <a:font script="Uigh" typeface="Microsoft Uighur"/>
+        <a:font script="Geor" typeface="Sylfaen"/>
+      </a:majorFont>
+      <a:minorFont>
+        <a:latin typeface="Calibri" panose="020F0502020204030204"/>
+        <a:ea typeface=""/>
+        <a:cs typeface=""/>
+        <a:font script="Jpan" typeface="Yu Gothic"/>
+        <a:font script="Hang" typeface="맑은 고딕"/>
+        <a:font script="Hans" typeface="DengXian"/>
+        <a:font script="Hant" typeface="新細明體"/>
+        <a:font script="Arab" typeface="Arial"/>
+        <a:font script="Hebr" typeface="Arial"/>
+        <a:font script="Thai" typeface="Cordia New"/>
+        <a:font script="Ethi" typeface="Nyala"/>
+        <a:font script="Beng" typeface="Vrinda"/>
+        <a:font script="Gujr" typeface="Shruti"/>
+        <a:font script="Khmr" typeface="DaunPenh"/>
+        <a:font script="Knda" typeface="Tunga"/>
+        <a:font script="Guru" typeface="Raavi"/>
+        <a:font script="Cans" typeface="Euphemia"/>
+        <a:font script="Cher" typeface="Plantagenet Cherokee"/>
+        <a:font script="Yiii" typeface="Microsoft Yi Baiti"/>
+        <a:font script="Tibt" typeface="Microsoft Himalaya"/>
+        <a:font script="Thaa" typeface="MV Boli"/>
+        <a:font script="Deva" typeface="Mangal"/>
+        <a:font script="Telu" typeface="Gautami"/>
+        <a:font script="Taml" typeface="Latha"/>
+        <a:font script="Syrc" typeface="Estrangelo Edessa"/>
+        <a:font script="Orya" typeface="Kalinga"/>
+        <a:font script="Mlym" typeface="Kartika"/>
+        <a:font script="Laoo" typeface="DokChampa"/>
+        <a:font script="Sinh" typeface="Iskoola Pota"/>
+        <a:font script="Mong" typeface="Mongolian Baiti"/>
+        <a:font script="Viet" typeface="Arial"/>
+        <a:font script="Uigh" typeface="Microsoft Uighur"/>
+        <a:font script="Geor" typeface="Sylfaen"/>
+      </a:minorFont>
+    </a:fontScheme>
+    <a:fmtScheme name="Office">
+      <a:fillStyleLst>
+        <a:solidFill>
+          <a:schemeClr val="phClr"/>
+        </a:solidFill>
+        <a:gradFill rotWithShape="1">
+          <a:gsLst>
+            <a:gs pos="0">
+              <a:schemeClr val="phClr">
+                <a:lumMod val="110000"/>
+                <a:satMod val="105000"/>
+                <a:tint val="67000"/>
+              </a:schemeClr>
+            </a:gs>
+            <a:gs pos="50000">
+              <a:schemeClr val="phClr">
+                <a:lumMod val="105000"/>
+                <a:satMod val="103000"/>
+                <a:tint val="73000"/>
+              </a:schemeClr>
+            </a:gs>
+            <a:gs pos="100000">
+              <a:schemeClr val="phClr">
+                <a:lumMod val="105000"/>
+                <a:satMod val="109000"/>
+                <a:tint val="81000"/>
+              </a:schemeClr>
+            </a:gs>
+          </a:gsLst>
+          <a:lin ang="5400000" scaled="0"/>
+        </a:gradFill>
+        <a:gradFill rotWithShape="1">
+          <a:gsLst>
+            <a:gs pos="0">
+              <a:schemeClr val="phClr">
+                <a:satMod val="103000"/>
+                <a:lumMod val="102000"/>
+                <a:tint val="94000"/>
+              </a:schemeClr>
+            </a:gs>
+            <a:gs pos="50000">
+              <a:schemeClr val="phClr">
+                <a:satMod val="110000"/>
+                <a:lumMod val="100000"/>
+                <a:shade val="100000"/>
+              </a:schemeClr>
+            </a:gs>
+            <a:gs pos="100000">
+              <a:schemeClr val="phClr">
+                <a:lumMod val="99000"/>
+                <a:satMod val="120000"/>
+                <a:shade val="78000"/>
+              </a:schemeClr>
+            </a:gs>
+          </a:gsLst>
+          <a:lin ang="5400000" scaled="0"/>
+        </a:gradFill>
+      </a:fillStyleLst>
+      <a:lnStyleLst>
+        <a:ln w="6350" cap="flat" cmpd="sng" algn="ctr">
+          <a:solidFill>
+            <a:schemeClr val="phClr"/>
+          </a:solidFill>
+          <a:prstDash val="solid"/>
+          <a:miter lim="800000"/>
+        </a:ln>
+        <a:ln w="12700" cap="flat" cmpd="sng" algn="ctr">
+          <a:solidFill>
+            <a:schemeClr val="phClr"/>
+          </a:solidFill>
+          <a:prstDash val="solid"/>
+          <a:miter lim="800000"/>
+        </a:ln>
+        <a:ln w="19050" cap="flat" cmpd="sng" algn="ctr">
+          <a:solidFill>
+            <a:schemeClr val="phClr"/>
+          </a:solidFill>
+          <a:prstDash val="solid"/>
+          <a:miter lim="800000"/>
+        </a:ln>
+      </a:lnStyleLst>
+      <a:effectStyleLst>
+        <a:effectStyle>
+          <a:effectLst/>
+        </a:effectStyle>
+        <a:effectStyle>
+          <a:effectLst/>
+        </a:effectStyle>
+        <a:effectStyle>
+          <a:effectLst>
+            <a:outerShdw blurRad="57150" dist="19050" dir="5400000" algn="ctr" rotWithShape="0">
+              <a:srgbClr val="000000">
+                <a:alpha val="63000"/>
+              </a:srgbClr>
+            </a:outerShdw>
+          </a:effectLst>
+        </a:effectStyle>
+      </a:effectStyleLst>
+      <a:bgFillStyleLst>
+        <a:solidFill>
+          <a:schemeClr val="phClr"/>
+        </a:solidFill>
+        <a:solidFill>
+          <a:schemeClr val="phClr">
+            <a:tint val="95000"/>
+            <a:satMod val="170000"/>
+          </a:schemeClr>
+        </a:solidFill>
+        <a:gradFill rotWithShape="1">
+          <a:gsLst>
+            <a:gs pos="0">
+              <a:schemeClr val="phClr">
+                <a:tint val="93000"/>
+                <a:satMod val="150000"/>
+                <a:shade val="98000"/>
+                <a:lumMod val="102000"/>
+              </a:schemeClr>
+            </a:gs>
+            <a:gs pos="50000">
+              <a:schemeClr val="phClr">
+                <a:tint val="98000"/>
+                <a:satMod val="130000"/>
+                <a:shade val="90000"/>
+                <a:lumMod val="103000"/>
+              </a:schemeClr>
+            </a:gs>
+            <a:gs pos="100000">
+              <a:schemeClr val="phClr">
+                <a:shade val="63000"/>
+                <a:satMod val="120000"/>
+              </a:schemeClr>
+            </a:gs>
+          </a:gsLst>
+          <a:lin ang="5400000" scaled="0"/>
+        </a:gradFill>
+      </a:bgFillStyleLst>
+    </a:fmtScheme>
+  </a:themeElements>
+  <a:objectDefaults/>
+  <a:extraClrSchemeLst/>
+  <a:extLst>
+    <a:ext uri="{05A4C25C-085E-4340-85A3-A5531E510DB2}">
+      <thm15:themeFamily xmlns:thm15="http://schemas.microsoft.com/office/thememl/2012/main" name="Office Theme" id="{62F939B6-93AF-4DB8-9C6B-D6C7DFDC589F}" vid="{4A3C46E8-61CC-4603-A589-7422A47A8E4A}"/>
+    </a:ext>
+  </a:extLst>
+</a:theme>
 </file>